--- a/Presentacion/PresentacionTesis v2.pptx
+++ b/Presentacion/PresentacionTesis v2.pptx
@@ -14748,22 +14748,32 @@
             </p:nvSpPr>
             <p:spPr>
               <a:xfrm>
-                <a:off x="1558029" y="1597593"/>
-                <a:ext cx="10018713" cy="4374970"/>
+                <a:off x="1604064" y="1368992"/>
+                <a:ext cx="10388806" cy="5170955"/>
               </a:xfrm>
             </p:spPr>
             <p:txBody>
               <a:bodyPr>
-                <a:normAutofit/>
+                <a:noAutofit/>
               </a:bodyPr>
               <a:lstStyle/>
               <a:p>
+                <a:pPr>
+                  <a:spcBef>
+                    <a:spcPts val="876"/>
+                  </a:spcBef>
+                </a:pPr>
                 <a:r>
                   <a:rPr lang="es-AR" dirty="0" smtClean="0"/>
                   <a:t>Generalización del método original de Fischer</a:t>
                 </a:r>
               </a:p>
               <a:p>
+                <a:pPr>
+                  <a:spcBef>
+                    <a:spcPts val="876"/>
+                  </a:spcBef>
+                </a:pPr>
                 <a:r>
                   <a:rPr lang="es-AR" dirty="0" smtClean="0"/>
                   <a:t>Permite encontrar el hiperplano que mejor separa dos </a:t>
@@ -14774,6 +14784,11 @@
                 </a:r>
               </a:p>
               <a:p>
+                <a:pPr>
+                  <a:spcBef>
+                    <a:spcPts val="876"/>
+                  </a:spcBef>
+                </a:pPr>
                 <a14:m>
                   <m:oMath xmlns:m="http://schemas.openxmlformats.org/officeDocument/2006/math">
                     <m:r>
@@ -14953,12 +14968,22 @@
                 <a:endParaRPr lang="es-AR" dirty="0" smtClean="0"/>
               </a:p>
               <a:p>
+                <a:pPr>
+                  <a:spcBef>
+                    <a:spcPts val="876"/>
+                  </a:spcBef>
+                </a:pPr>
                 <a:r>
                   <a:rPr lang="es-AR" dirty="0" smtClean="0"/>
                   <a:t>Es posible generalizarlo para mas de 2 clases.</a:t>
                 </a:r>
               </a:p>
               <a:p>
+                <a:pPr>
+                  <a:spcBef>
+                    <a:spcPts val="876"/>
+                  </a:spcBef>
+                </a:pPr>
                 <a:r>
                   <a:rPr lang="es-AR" dirty="0" smtClean="0"/>
                   <a:t>Matriz mal </a:t>
@@ -14981,15 +15006,30 @@
                 </a:r>
               </a:p>
               <a:p>
+                <a:pPr>
+                  <a:spcBef>
+                    <a:spcPts val="876"/>
+                  </a:spcBef>
+                </a:pPr>
                 <a:endParaRPr lang="es-AR" dirty="0" smtClean="0"/>
               </a:p>
               <a:p>
+                <a:pPr>
+                  <a:spcBef>
+                    <a:spcPts val="876"/>
+                  </a:spcBef>
+                </a:pPr>
                 <a:r>
                   <a:rPr lang="es-AR" dirty="0" smtClean="0"/>
                   <a:t>Ventajas: Velocidad y Memoria</a:t>
                 </a:r>
               </a:p>
               <a:p>
+                <a:pPr>
+                  <a:spcBef>
+                    <a:spcPts val="876"/>
+                  </a:spcBef>
+                </a:pPr>
                 <a:r>
                   <a:rPr lang="es-AR" dirty="0" smtClean="0"/>
                   <a:t>Desventajas: Performance de Clasificación.</a:t>
@@ -15011,13 +15051,13 @@
             </p:nvSpPr>
             <p:spPr>
               <a:xfrm>
-                <a:off x="1558029" y="1597593"/>
-                <a:ext cx="10018713" cy="4374970"/>
+                <a:off x="1604064" y="1368992"/>
+                <a:ext cx="10388806" cy="5170955"/>
               </a:xfrm>
               <a:blipFill rotWithShape="0">
                 <a:blip r:embed="rId3"/>
                 <a:stretch>
-                  <a:fillRect l="-1582" t="-696" b="-1253"/>
+                  <a:fillRect l="-1467"/>
                 </a:stretch>
               </a:blipFill>
             </p:spPr>
@@ -22316,8 +22356,8 @@
         </p:nvSpPr>
         <p:spPr>
           <a:xfrm>
-            <a:off x="1484310" y="1931190"/>
-            <a:ext cx="10018713" cy="3889829"/>
+            <a:off x="1484310" y="1520688"/>
+            <a:ext cx="10018713" cy="5148470"/>
           </a:xfrm>
         </p:spPr>
         <p:txBody>
@@ -22326,6 +22366,11 @@
           </a:bodyPr>
           <a:lstStyle/>
           <a:p>
+            <a:pPr>
+              <a:lnSpc>
+                <a:spcPct val="150000"/>
+              </a:lnSpc>
+            </a:pPr>
             <a:r>
               <a:rPr lang="es-AR" dirty="0"/>
               <a:t>S</a:t>
@@ -22344,6 +22389,11 @@
             </a:r>
           </a:p>
           <a:p>
+            <a:pPr>
+              <a:lnSpc>
+                <a:spcPct val="150000"/>
+              </a:lnSpc>
+            </a:pPr>
             <a:r>
               <a:rPr lang="es-AR" dirty="0" smtClean="0"/>
               <a:t>Distribución </a:t>
@@ -22386,6 +22436,11 @@
             </a:r>
           </a:p>
           <a:p>
+            <a:pPr>
+              <a:lnSpc>
+                <a:spcPct val="150000"/>
+              </a:lnSpc>
+            </a:pPr>
             <a:r>
               <a:rPr lang="es-AR" dirty="0" smtClean="0"/>
               <a:t>Apto tanto para variables discretas como continuas</a:t>
@@ -22393,6 +22448,11 @@
             <a:endParaRPr lang="es-AR" dirty="0" smtClean="0"/>
           </a:p>
           <a:p>
+            <a:pPr>
+              <a:lnSpc>
+                <a:spcPct val="150000"/>
+              </a:lnSpc>
+            </a:pPr>
             <a:r>
               <a:rPr lang="es-AR" dirty="0" smtClean="0"/>
               <a:t>Excelente </a:t>
@@ -22407,9 +22467,19 @@
             </a:r>
           </a:p>
           <a:p>
+            <a:pPr>
+              <a:lnSpc>
+                <a:spcPct val="150000"/>
+              </a:lnSpc>
+            </a:pPr>
             <a:endParaRPr lang="es-AR" dirty="0" smtClean="0"/>
           </a:p>
           <a:p>
+            <a:pPr>
+              <a:lnSpc>
+                <a:spcPct val="150000"/>
+              </a:lnSpc>
+            </a:pPr>
             <a:r>
               <a:rPr lang="es-AR" dirty="0" smtClean="0"/>
               <a:t>Ventajas</a:t>
@@ -22420,6 +22490,11 @@
             </a:r>
           </a:p>
           <a:p>
+            <a:pPr>
+              <a:lnSpc>
+                <a:spcPct val="150000"/>
+              </a:lnSpc>
+            </a:pPr>
             <a:r>
               <a:rPr lang="es-AR" dirty="0"/>
               <a:t>Desventajas</a:t>
@@ -24335,7 +24410,7 @@
         <p:spPr>
           <a:xfrm>
             <a:off x="1484311" y="1526407"/>
-            <a:ext cx="10258511" cy="4054642"/>
+            <a:ext cx="10258511" cy="5162628"/>
           </a:xfrm>
         </p:spPr>
         <p:txBody>
@@ -24344,6 +24419,11 @@
           </a:bodyPr>
           <a:lstStyle/>
           <a:p>
+            <a:pPr>
+              <a:lnSpc>
+                <a:spcPct val="150000"/>
+              </a:lnSpc>
+            </a:pPr>
             <a:r>
               <a:rPr lang="es-AR" dirty="0" smtClean="0"/>
               <a:t>Proyectar </a:t>
@@ -24363,6 +24443,11 @@
             <a:endParaRPr lang="es-AR" dirty="0" smtClean="0"/>
           </a:p>
           <a:p>
+            <a:pPr>
+              <a:lnSpc>
+                <a:spcPct val="150000"/>
+              </a:lnSpc>
+            </a:pPr>
             <a:r>
               <a:rPr lang="es-AR" dirty="0"/>
               <a:t>F</a:t>
@@ -24386,6 +24471,11 @@
             <a:endParaRPr lang="es-AR" dirty="0" smtClean="0"/>
           </a:p>
           <a:p>
+            <a:pPr>
+              <a:lnSpc>
+                <a:spcPct val="150000"/>
+              </a:lnSpc>
+            </a:pPr>
             <a:r>
               <a:rPr lang="es-AR" dirty="0" smtClean="0"/>
               <a:t>Margen que </a:t>
@@ -24421,6 +24511,11 @@
             <a:endParaRPr lang="es-AR" dirty="0" smtClean="0"/>
           </a:p>
           <a:p>
+            <a:pPr>
+              <a:lnSpc>
+                <a:spcPct val="150000"/>
+              </a:lnSpc>
+            </a:pPr>
             <a:r>
               <a:rPr lang="es-AR" dirty="0" smtClean="0"/>
               <a:t>Margen “</a:t>
@@ -24463,9 +24558,19 @@
             </a:r>
           </a:p>
           <a:p>
+            <a:pPr>
+              <a:lnSpc>
+                <a:spcPct val="150000"/>
+              </a:lnSpc>
+            </a:pPr>
             <a:endParaRPr lang="es-AR" dirty="0" smtClean="0"/>
           </a:p>
           <a:p>
+            <a:pPr>
+              <a:lnSpc>
+                <a:spcPct val="150000"/>
+              </a:lnSpc>
+            </a:pPr>
             <a:r>
               <a:rPr lang="es-AR" dirty="0"/>
               <a:t>Ventajas: </a:t>
@@ -24477,6 +24582,11 @@
             <a:endParaRPr lang="es-AR" dirty="0"/>
           </a:p>
           <a:p>
+            <a:pPr>
+              <a:lnSpc>
+                <a:spcPct val="150000"/>
+              </a:lnSpc>
+            </a:pPr>
             <a:r>
               <a:rPr lang="es-AR" dirty="0"/>
               <a:t>Desventajas</a:t>
@@ -29602,8 +29712,8 @@
         </p:nvSpPr>
         <p:spPr>
           <a:xfrm>
-            <a:off x="1789111" y="0"/>
-            <a:ext cx="10018713" cy="1752599"/>
+            <a:off x="1789111" y="1"/>
+            <a:ext cx="10018713" cy="1192696"/>
           </a:xfrm>
         </p:spPr>
         <p:txBody>
@@ -29638,8 +29748,8 @@
         </p:nvSpPr>
         <p:spPr>
           <a:xfrm>
-            <a:off x="1558029" y="1398813"/>
-            <a:ext cx="10018713" cy="4374970"/>
+            <a:off x="1498394" y="1033670"/>
+            <a:ext cx="10018713" cy="5536095"/>
           </a:xfrm>
         </p:spPr>
         <p:txBody>
@@ -29648,12 +29758,22 @@
           </a:bodyPr>
           <a:lstStyle/>
           <a:p>
+            <a:pPr>
+              <a:lnSpc>
+                <a:spcPct val="160000"/>
+              </a:lnSpc>
+            </a:pPr>
             <a:r>
               <a:rPr lang="es-AR" dirty="0" smtClean="0"/>
               <a:t>Ensamble de árboles de decisión.</a:t>
             </a:r>
           </a:p>
           <a:p>
+            <a:pPr>
+              <a:lnSpc>
+                <a:spcPct val="160000"/>
+              </a:lnSpc>
+            </a:pPr>
             <a:r>
               <a:rPr lang="es-AR" dirty="0" smtClean="0"/>
               <a:t>Para entrenar cada árbol: </a:t>
@@ -29683,6 +29803,11 @@
             <a:endParaRPr lang="es-AR" dirty="0" smtClean="0"/>
           </a:p>
           <a:p>
+            <a:pPr>
+              <a:lnSpc>
+                <a:spcPct val="150000"/>
+              </a:lnSpc>
+            </a:pPr>
             <a:r>
               <a:rPr lang="es-AR" dirty="0" smtClean="0"/>
               <a:t>Arboles de decisión </a:t>
@@ -29718,6 +29843,11 @@
             <a:endParaRPr lang="es-AR" dirty="0" smtClean="0"/>
           </a:p>
           <a:p>
+            <a:pPr>
+              <a:lnSpc>
+                <a:spcPct val="150000"/>
+              </a:lnSpc>
+            </a:pPr>
             <a:r>
               <a:rPr lang="es-AR" dirty="0" smtClean="0"/>
               <a:t>Promedio, Bagging. Sistema </a:t>
@@ -29728,15 +29858,30 @@
             </a:r>
           </a:p>
           <a:p>
+            <a:pPr>
+              <a:lnSpc>
+                <a:spcPct val="150000"/>
+              </a:lnSpc>
+            </a:pPr>
             <a:endParaRPr lang="es-AR" dirty="0" smtClean="0"/>
           </a:p>
           <a:p>
+            <a:pPr>
+              <a:lnSpc>
+                <a:spcPct val="150000"/>
+              </a:lnSpc>
+            </a:pPr>
             <a:r>
               <a:rPr lang="es-AR" dirty="0" smtClean="0"/>
               <a:t>Ventajas: Performance de clasificación, Features mas relevantes</a:t>
             </a:r>
           </a:p>
           <a:p>
+            <a:pPr>
+              <a:lnSpc>
+                <a:spcPct val="150000"/>
+              </a:lnSpc>
+            </a:pPr>
             <a:r>
               <a:rPr lang="es-AR" dirty="0" smtClean="0"/>
               <a:t>Desventajas: </a:t>
@@ -33724,13 +33869,22 @@
           </a:bodyPr>
           <a:lstStyle/>
           <a:p>
+            <a:pPr>
+              <a:lnSpc>
+                <a:spcPct val="150000"/>
+              </a:lnSpc>
+            </a:pPr>
             <a:r>
               <a:rPr lang="es-AR" dirty="0" smtClean="0"/>
               <a:t>Diferentes opciones: </a:t>
             </a:r>
           </a:p>
           <a:p>
-            <a:pPr lvl="1"/>
+            <a:pPr lvl="1">
+              <a:lnSpc>
+                <a:spcPct val="150000"/>
+              </a:lnSpc>
+            </a:pPr>
             <a:r>
               <a:rPr lang="es-AR" dirty="0" smtClean="0"/>
               <a:t>A) </a:t>
@@ -33758,7 +33912,11 @@
             <a:endParaRPr lang="es-AR" dirty="0" smtClean="0"/>
           </a:p>
           <a:p>
-            <a:pPr lvl="1"/>
+            <a:pPr lvl="1">
+              <a:lnSpc>
+                <a:spcPct val="150000"/>
+              </a:lnSpc>
+            </a:pPr>
             <a:r>
               <a:rPr lang="es-AR" dirty="0" smtClean="0"/>
               <a:t>B) </a:t>
@@ -33781,7 +33939,11 @@
             </a:r>
           </a:p>
           <a:p>
-            <a:pPr lvl="1"/>
+            <a:pPr lvl="1">
+              <a:lnSpc>
+                <a:spcPct val="150000"/>
+              </a:lnSpc>
+            </a:pPr>
             <a:r>
               <a:rPr lang="es-AR" dirty="0" smtClean="0"/>
               <a:t>C) Muchas otras </a:t>
@@ -34314,6 +34476,9 @@
               <a:rPr lang="es-AR" dirty="0" smtClean="0"/>
               <a:t>NOGOc</a:t>
             </a:r>
+            <a:br>
+              <a:rPr lang="es-AR" dirty="0" smtClean="0"/>
+            </a:br>
             <a:endParaRPr lang="es-AR" dirty="0" smtClean="0"/>
           </a:p>
           <a:p>
@@ -34325,6 +34490,17 @@
               <a:rPr lang="es-AR" dirty="0" smtClean="0"/>
               <a:t>2</a:t>
             </a:r>
+            <a:br>
+              <a:rPr lang="es-AR" dirty="0" smtClean="0"/>
+            </a:br>
+            <a:r>
+              <a:rPr lang="es-AR" dirty="0" smtClean="0"/>
+              <a:t/>
+            </a:r>
+            <a:br>
+              <a:rPr lang="es-AR" dirty="0" smtClean="0"/>
+            </a:br>
+            <a:endParaRPr lang="es-AR" dirty="0" smtClean="0"/>
           </a:p>
           <a:p>
             <a:endParaRPr lang="es-AR" dirty="0" smtClean="0"/>
@@ -34342,6 +34518,10 @@
               <a:rPr lang="es-AR" dirty="0" smtClean="0"/>
               <a:t>y NOGOc</a:t>
             </a:r>
+            <a:br>
+              <a:rPr lang="es-AR" dirty="0" smtClean="0"/>
+            </a:br>
+            <a:endParaRPr lang="es-AR" dirty="0" smtClean="0"/>
           </a:p>
           <a:p>
             <a:r>
@@ -34680,16 +34860,21 @@
             </p:nvSpPr>
             <p:spPr>
               <a:xfrm>
-                <a:off x="1484308" y="1082043"/>
-                <a:ext cx="10018713" cy="4767218"/>
+                <a:off x="1484308" y="1022407"/>
+                <a:ext cx="10018713" cy="5636809"/>
               </a:xfrm>
             </p:spPr>
             <p:txBody>
               <a:bodyPr>
-                <a:normAutofit/>
+                <a:normAutofit lnSpcReduction="10000"/>
               </a:bodyPr>
               <a:lstStyle/>
               <a:p>
+                <a:pPr>
+                  <a:lnSpc>
+                    <a:spcPct val="150000"/>
+                  </a:lnSpc>
+                </a:pPr>
                 <a:r>
                   <a:rPr lang="es-AR" dirty="0" smtClean="0"/>
                   <a:t>Para </a:t>
@@ -34701,6 +34886,9 @@
               </a:p>
               <a:p>
                 <a:pPr marL="914400" lvl="1" indent="-457200">
+                  <a:lnSpc>
+                    <a:spcPct val="150000"/>
+                  </a:lnSpc>
                   <a:buSzPct val="110000"/>
                   <a:buFont typeface="+mj-lt"/>
                   <a:buAutoNum type="alphaLcPeriod"/>
@@ -34735,6 +34923,9 @@
               </a:p>
               <a:p>
                 <a:pPr marL="914400" lvl="1" indent="-457200">
+                  <a:lnSpc>
+                    <a:spcPct val="150000"/>
+                  </a:lnSpc>
                   <a:buSzPct val="110000"/>
                   <a:buAutoNum type="alphaLcPeriod"/>
                 </a:pPr>
@@ -34767,6 +34958,11 @@
                 <a:endParaRPr lang="es-AR" dirty="0"/>
               </a:p>
               <a:p>
+                <a:pPr>
+                  <a:lnSpc>
+                    <a:spcPct val="150000"/>
+                  </a:lnSpc>
+                </a:pPr>
                 <a:r>
                   <a:rPr lang="es-AR" dirty="0"/>
                   <a:t>Para el set de neuronas </a:t>
@@ -34779,6 +34975,9 @@
               </a:p>
               <a:p>
                 <a:pPr marL="914400" lvl="1" indent="-457200">
+                  <a:lnSpc>
+                    <a:spcPct val="150000"/>
+                  </a:lnSpc>
                   <a:buSzPct val="110000"/>
                   <a:buFont typeface="+mj-lt"/>
                   <a:buAutoNum type="alphaLcPeriod"/>
@@ -34825,6 +35024,9 @@
               </a:p>
               <a:p>
                 <a:pPr marL="914400" lvl="1" indent="-457200">
+                  <a:lnSpc>
+                    <a:spcPct val="150000"/>
+                  </a:lnSpc>
                   <a:buSzPct val="110000"/>
                   <a:buFont typeface="+mj-lt"/>
                   <a:buAutoNum type="alphaLcPeriod"/>
@@ -34882,6 +35084,11 @@
                 <a:endParaRPr lang="es-AR" dirty="0"/>
               </a:p>
               <a:p>
+                <a:pPr>
+                  <a:lnSpc>
+                    <a:spcPct val="150000"/>
+                  </a:lnSpc>
+                </a:pPr>
                 <a:r>
                   <a:rPr lang="es-AR" dirty="0" smtClean="0"/>
                   <a:t>Performance = promedio performance </a:t>
@@ -34915,6 +35122,11 @@
                 <a:endParaRPr lang="es-AR" dirty="0" smtClean="0"/>
               </a:p>
               <a:p>
+                <a:pPr>
+                  <a:lnSpc>
+                    <a:spcPct val="150000"/>
+                  </a:lnSpc>
+                </a:pPr>
                 <a:r>
                   <a:rPr lang="es-AR" dirty="0" smtClean="0"/>
                   <a:t>Performance se solapa con </a:t>
@@ -34940,6 +35152,11 @@
                 <a:endParaRPr lang="es-AR" dirty="0" smtClean="0"/>
               </a:p>
               <a:p>
+                <a:pPr>
+                  <a:lnSpc>
+                    <a:spcPct val="150000"/>
+                  </a:lnSpc>
+                </a:pPr>
                 <a:r>
                   <a:rPr lang="es-AR" u="sng" dirty="0" smtClean="0"/>
                   <a:t>Análisis no conclusivo</a:t>
@@ -34962,13 +35179,13 @@
             </p:nvSpPr>
             <p:spPr>
               <a:xfrm>
-                <a:off x="1484308" y="1082043"/>
-                <a:ext cx="10018713" cy="4767218"/>
+                <a:off x="1484308" y="1022407"/>
+                <a:ext cx="10018713" cy="5636809"/>
               </a:xfrm>
               <a:blipFill rotWithShape="0">
                 <a:blip r:embed="rId3"/>
                 <a:stretch>
-                  <a:fillRect l="-1521"/>
+                  <a:fillRect l="-1521" t="-433" b="-1840"/>
                 </a:stretch>
               </a:blipFill>
             </p:spPr>
@@ -35151,8 +35368,8 @@
         </p:nvSpPr>
         <p:spPr>
           <a:xfrm>
-            <a:off x="1484308" y="1082043"/>
-            <a:ext cx="10018713" cy="4767218"/>
+            <a:off x="1484308" y="992591"/>
+            <a:ext cx="10018713" cy="5626870"/>
           </a:xfrm>
         </p:spPr>
         <p:txBody>
@@ -35161,6 +35378,11 @@
           </a:bodyPr>
           <a:lstStyle/>
           <a:p>
+            <a:pPr>
+              <a:lnSpc>
+                <a:spcPct val="150000"/>
+              </a:lnSpc>
+            </a:pPr>
             <a:r>
               <a:rPr lang="es-AR" dirty="0"/>
               <a:t>A</a:t>
@@ -35180,6 +35402,11 @@
             <a:endParaRPr lang="es-AR" dirty="0" smtClean="0"/>
           </a:p>
           <a:p>
+            <a:pPr>
+              <a:lnSpc>
+                <a:spcPct val="150000"/>
+              </a:lnSpc>
+            </a:pPr>
             <a:r>
               <a:rPr lang="es-AR" dirty="0"/>
               <a:t>P</a:t>
@@ -35195,6 +35422,9 @@
           </a:p>
           <a:p>
             <a:pPr marL="971550" lvl="1" indent="-514350">
+              <a:lnSpc>
+                <a:spcPct val="150000"/>
+              </a:lnSpc>
               <a:buFont typeface="+mj-lt"/>
               <a:buAutoNum type="romanLcPeriod"/>
             </a:pPr>
@@ -35210,6 +35440,9 @@
           </a:p>
           <a:p>
             <a:pPr marL="971550" lvl="1" indent="-514350">
+              <a:lnSpc>
+                <a:spcPct val="150000"/>
+              </a:lnSpc>
               <a:buFont typeface="+mj-lt"/>
               <a:buAutoNum type="romanLcPeriod"/>
             </a:pPr>
@@ -35225,6 +35458,9 @@
           </a:p>
           <a:p>
             <a:pPr marL="971550" lvl="1" indent="-514350">
+              <a:lnSpc>
+                <a:spcPct val="150000"/>
+              </a:lnSpc>
               <a:buFont typeface="+mj-lt"/>
               <a:buAutoNum type="romanLcPeriod"/>
             </a:pPr>
@@ -35239,6 +35475,11 @@
             <a:endParaRPr lang="es-AR" dirty="0"/>
           </a:p>
           <a:p>
+            <a:pPr>
+              <a:lnSpc>
+                <a:spcPct val="150000"/>
+              </a:lnSpc>
+            </a:pPr>
             <a:r>
               <a:rPr lang="es-AR" dirty="0" smtClean="0"/>
               <a:t>Solución: Darle al clasificador mas de una neurona.</a:t>
@@ -35246,6 +35487,9 @@
           </a:p>
           <a:p>
             <a:pPr marL="971550" lvl="1" indent="-514350">
+              <a:lnSpc>
+                <a:spcPct val="150000"/>
+              </a:lnSpc>
               <a:buFont typeface="+mj-lt"/>
               <a:buAutoNum type="romanLcPeriod"/>
             </a:pPr>
@@ -35261,6 +35505,9 @@
           </a:p>
           <a:p>
             <a:pPr marL="971550" lvl="1" indent="-514350">
+              <a:lnSpc>
+                <a:spcPct val="150000"/>
+              </a:lnSpc>
               <a:buFont typeface="+mj-lt"/>
               <a:buAutoNum type="romanLcPeriod"/>
             </a:pPr>
@@ -35275,6 +35522,9 @@
           </a:p>
           <a:p>
             <a:pPr marL="971550" lvl="1" indent="-514350">
+              <a:lnSpc>
+                <a:spcPct val="150000"/>
+              </a:lnSpc>
               <a:buFont typeface="+mj-lt"/>
               <a:buAutoNum type="romanLcPeriod"/>
             </a:pPr>
@@ -35634,16 +35884,21 @@
             </p:nvSpPr>
             <p:spPr>
               <a:xfrm>
-                <a:off x="1861681" y="2510971"/>
-                <a:ext cx="10018713" cy="2191661"/>
+                <a:off x="1861681" y="2226368"/>
+                <a:ext cx="10018713" cy="2971800"/>
               </a:xfrm>
             </p:spPr>
             <p:txBody>
               <a:bodyPr>
-                <a:normAutofit lnSpcReduction="10000"/>
+                <a:normAutofit fontScale="92500" lnSpcReduction="20000"/>
               </a:bodyPr>
               <a:lstStyle/>
               <a:p>
+                <a:pPr>
+                  <a:lnSpc>
+                    <a:spcPct val="160000"/>
+                  </a:lnSpc>
+                </a:pPr>
                 <a:r>
                   <a:rPr lang="es-AR" sz="3200" dirty="0" smtClean="0"/>
                   <a:t>Performance obtenida para VTA con LDA ronda el </a:t>
@@ -35661,7 +35916,11 @@
                 <a:endParaRPr lang="es-AR" sz="3200" dirty="0" smtClean="0"/>
               </a:p>
               <a:p>
-                <a:pPr lvl="1"/>
+                <a:pPr lvl="1">
+                  <a:lnSpc>
+                    <a:spcPct val="160000"/>
+                  </a:lnSpc>
+                </a:pPr>
                 <a:r>
                   <a:rPr lang="es-AR" sz="2800" dirty="0" smtClean="0"/>
                   <a:t>¿Y ahora? </a:t>
@@ -35669,7 +35928,11 @@
                 <a:endParaRPr lang="es-AR" sz="2800" dirty="0" smtClean="0"/>
               </a:p>
               <a:p>
-                <a:pPr lvl="1"/>
+                <a:pPr lvl="1">
+                  <a:lnSpc>
+                    <a:spcPct val="160000"/>
+                  </a:lnSpc>
+                </a:pPr>
                 <a:r>
                   <a:rPr lang="es-AR" sz="2800" dirty="0" smtClean="0"/>
                   <a:t>¿</a:t>
@@ -35681,7 +35944,11 @@
                 <a:endParaRPr lang="es-AR" sz="2800" dirty="0" smtClean="0"/>
               </a:p>
               <a:p>
-                <a:pPr lvl="1"/>
+                <a:pPr lvl="1">
+                  <a:lnSpc>
+                    <a:spcPct val="160000"/>
+                  </a:lnSpc>
+                </a:pPr>
                 <a:r>
                   <a:rPr lang="es-AR" sz="2800" dirty="0" smtClean="0"/>
                   <a:t>¿</a:t>
@@ -35707,13 +35974,13 @@
             </p:nvSpPr>
             <p:spPr>
               <a:xfrm>
-                <a:off x="1861681" y="2510971"/>
-                <a:ext cx="10018713" cy="2191661"/>
+                <a:off x="1861681" y="2226368"/>
+                <a:ext cx="10018713" cy="2971800"/>
               </a:xfrm>
               <a:blipFill rotWithShape="0">
                 <a:blip r:embed="rId3"/>
                 <a:stretch>
-                  <a:fillRect l="-2433" t="-14206" b="-11421"/>
+                  <a:fillRect l="-2190" t="-2459" b="-4713"/>
                 </a:stretch>
               </a:blipFill>
             </p:spPr>
@@ -35809,8 +36076,8 @@
         </p:nvSpPr>
         <p:spPr>
           <a:xfrm>
-            <a:off x="1484309" y="1167492"/>
-            <a:ext cx="10018713" cy="4219517"/>
+            <a:off x="1215953" y="1120224"/>
+            <a:ext cx="10018713" cy="5491725"/>
           </a:xfrm>
         </p:spPr>
         <p:txBody>
@@ -35820,79 +36087,96 @@
           <a:lstStyle/>
           <a:p>
             <a:r>
-              <a:rPr lang="es-AR" sz="2600" dirty="0" smtClean="0"/>
+              <a:rPr lang="es-AR" dirty="0" smtClean="0"/>
               <a:t>Información cerebral =&gt; </a:t>
             </a:r>
             <a:r>
-              <a:rPr lang="es-AR" sz="2600" b="1" dirty="0" smtClean="0"/>
+              <a:rPr lang="es-AR" b="1" dirty="0" smtClean="0"/>
               <a:t>potenciales </a:t>
             </a:r>
             <a:r>
-              <a:rPr lang="es-AR" sz="2600" b="1" dirty="0" smtClean="0"/>
+              <a:rPr lang="es-AR" b="1" dirty="0" smtClean="0"/>
               <a:t>de </a:t>
             </a:r>
             <a:r>
-              <a:rPr lang="es-AR" sz="2600" b="1" dirty="0" smtClean="0"/>
+              <a:rPr lang="es-AR" b="1" dirty="0" smtClean="0"/>
               <a:t>acción</a:t>
             </a:r>
-            <a:endParaRPr lang="es-AR" sz="2600" b="1" dirty="0" smtClean="0"/>
-          </a:p>
-          <a:p>
-            <a:r>
-              <a:rPr lang="es-AR" sz="2600" dirty="0" smtClean="0"/>
+            <a:endParaRPr lang="es-AR" b="1" dirty="0" smtClean="0"/>
+          </a:p>
+          <a:p>
+            <a:r>
+              <a:rPr lang="es-AR" dirty="0" smtClean="0"/>
               <a:t>Estudio </a:t>
             </a:r>
             <a:r>
-              <a:rPr lang="es-AR" sz="2600" dirty="0" smtClean="0"/>
+              <a:rPr lang="es-AR" dirty="0" smtClean="0"/>
               <a:t>del código </a:t>
             </a:r>
             <a:r>
-              <a:rPr lang="es-AR" sz="2600" dirty="0" smtClean="0"/>
+              <a:rPr lang="es-AR" dirty="0" smtClean="0"/>
               <a:t>neuronal</a:t>
             </a:r>
-            <a:endParaRPr lang="es-AR" sz="2600" dirty="0"/>
-          </a:p>
-          <a:p>
-            <a:r>
-              <a:rPr lang="es-AR" sz="2600" dirty="0" smtClean="0"/>
+            <a:endParaRPr lang="es-AR" dirty="0"/>
+          </a:p>
+          <a:p>
+            <a:r>
+              <a:rPr lang="es-AR" dirty="0" smtClean="0"/>
               <a:t>Desarrollo de Interfaces </a:t>
             </a:r>
             <a:r>
-              <a:rPr lang="es-AR" sz="2600" dirty="0" smtClean="0"/>
+              <a:rPr lang="es-AR" dirty="0" smtClean="0"/>
               <a:t>Cerebro Computadora</a:t>
             </a:r>
             <a:r>
-              <a:rPr lang="es-AR" sz="2600" dirty="0" smtClean="0"/>
+              <a:rPr lang="es-AR" dirty="0" smtClean="0"/>
               <a:t>.</a:t>
             </a:r>
           </a:p>
           <a:p>
-            <a:endParaRPr lang="es-AR" sz="2600" dirty="0" smtClean="0"/>
-          </a:p>
-          <a:p>
-            <a:r>
-              <a:rPr lang="es-AR" sz="2600" dirty="0" smtClean="0"/>
+            <a:endParaRPr lang="es-AR" dirty="0"/>
+          </a:p>
+          <a:p>
+            <a:endParaRPr lang="es-AR" dirty="0" smtClean="0"/>
+          </a:p>
+          <a:p>
+            <a:endParaRPr lang="es-AR" dirty="0" smtClean="0"/>
+          </a:p>
+          <a:p>
+            <a:endParaRPr lang="es-AR" dirty="0" smtClean="0"/>
+          </a:p>
+          <a:p>
+            <a:r>
+              <a:rPr lang="es-AR" dirty="0" smtClean="0"/>
               <a:t>Cantidad </a:t>
             </a:r>
             <a:r>
-              <a:rPr lang="es-AR" sz="2600" dirty="0"/>
-              <a:t>de electrodos =&gt; Sistema inmune vs Error de estimación</a:t>
-            </a:r>
-          </a:p>
-          <a:p>
-            <a:r>
-              <a:rPr lang="es-AR" sz="2600" dirty="0"/>
+              <a:rPr lang="es-AR" dirty="0"/>
+              <a:t>de electrodos =&gt; </a:t>
+            </a:r>
+            <a:r>
+              <a:rPr lang="es-AR" dirty="0" smtClean="0"/>
+              <a:t>	Sistema </a:t>
+            </a:r>
+            <a:r>
+              <a:rPr lang="es-AR" dirty="0"/>
+              <a:t>inmune vs Error de estimación</a:t>
+            </a:r>
+          </a:p>
+          <a:p>
+            <a:r>
+              <a:rPr lang="es-AR" dirty="0"/>
               <a:t>Se estudiarán las áreas VTA y </a:t>
             </a:r>
             <a:r>
-              <a:rPr lang="es-AR" sz="2600" dirty="0" smtClean="0"/>
+              <a:rPr lang="es-AR" dirty="0" smtClean="0"/>
               <a:t>PFC</a:t>
             </a:r>
             <a:r>
-              <a:rPr lang="es-AR" sz="2600" dirty="0" smtClean="0"/>
+              <a:rPr lang="es-AR" dirty="0" smtClean="0"/>
               <a:t> </a:t>
             </a:r>
-            <a:endParaRPr lang="es-AR" sz="2600" dirty="0"/>
+            <a:endParaRPr lang="es-AR" dirty="0"/>
           </a:p>
         </p:txBody>
       </p:sp>
@@ -36377,6 +36661,10 @@
               <a:rPr lang="es-AR" dirty="0" smtClean="0"/>
               <a:t>features</a:t>
             </a:r>
+            <a:br>
+              <a:rPr lang="es-AR" dirty="0" smtClean="0"/>
+            </a:br>
+            <a:endParaRPr lang="es-AR" dirty="0" smtClean="0"/>
           </a:p>
           <a:p>
             <a:pPr>
@@ -36626,17 +36914,20 @@
         </p:nvSpPr>
         <p:spPr>
           <a:xfrm>
-            <a:off x="1484309" y="2110694"/>
-            <a:ext cx="10018713" cy="3124201"/>
+            <a:off x="1484309" y="1520687"/>
+            <a:ext cx="10018713" cy="5039139"/>
           </a:xfrm>
         </p:spPr>
         <p:txBody>
           <a:bodyPr>
-            <a:normAutofit lnSpcReduction="10000"/>
+            <a:normAutofit/>
           </a:bodyPr>
           <a:lstStyle/>
           <a:p>
             <a:pPr>
+              <a:lnSpc>
+                <a:spcPct val="150000"/>
+              </a:lnSpc>
               <a:buFont typeface="Wingdings" panose="05000000000000000000" pitchFamily="2" charset="2"/>
               <a:buChar char="o"/>
             </a:pPr>
@@ -36659,6 +36950,9 @@
           </a:p>
           <a:p>
             <a:pPr>
+              <a:lnSpc>
+                <a:spcPct val="150000"/>
+              </a:lnSpc>
               <a:buFont typeface="Wingdings" panose="05000000000000000000" pitchFamily="2" charset="2"/>
               <a:buChar char=""/>
             </a:pPr>
@@ -36677,6 +36971,9 @@
           </a:p>
           <a:p>
             <a:pPr>
+              <a:lnSpc>
+                <a:spcPct val="150000"/>
+              </a:lnSpc>
               <a:buFont typeface="Wingdings" panose="05000000000000000000" pitchFamily="2" charset="2"/>
               <a:buChar char=""/>
             </a:pPr>
@@ -36687,6 +36984,9 @@
           </a:p>
           <a:p>
             <a:pPr>
+              <a:lnSpc>
+                <a:spcPct val="150000"/>
+              </a:lnSpc>
               <a:buFont typeface="Wingdings" panose="05000000000000000000" pitchFamily="2" charset="2"/>
               <a:buChar char=""/>
             </a:pPr>
@@ -36697,6 +36997,9 @@
           </a:p>
           <a:p>
             <a:pPr>
+              <a:lnSpc>
+                <a:spcPct val="150000"/>
+              </a:lnSpc>
               <a:buFont typeface="Wingdings" panose="05000000000000000000" pitchFamily="2" charset="2"/>
               <a:buChar char=""/>
             </a:pPr>
@@ -36785,8 +37088,8 @@
         </p:nvSpPr>
         <p:spPr>
           <a:xfrm>
-            <a:off x="1484308" y="1636483"/>
-            <a:ext cx="10018713" cy="3937003"/>
+            <a:off x="1484308" y="910771"/>
+            <a:ext cx="10018713" cy="5718630"/>
           </a:xfrm>
         </p:spPr>
         <p:txBody>
@@ -36795,6 +37098,11 @@
           </a:bodyPr>
           <a:lstStyle/>
           <a:p>
+            <a:pPr>
+              <a:lnSpc>
+                <a:spcPct val="150000"/>
+              </a:lnSpc>
+            </a:pPr>
             <a:r>
               <a:rPr lang="es-AR" dirty="0" smtClean="0"/>
               <a:t>Re-muestreo =&gt; </a:t>
@@ -36809,6 +37117,11 @@
             </a:r>
           </a:p>
           <a:p>
+            <a:pPr>
+              <a:lnSpc>
+                <a:spcPct val="150000"/>
+              </a:lnSpc>
+            </a:pPr>
             <a:r>
               <a:rPr lang="es-AR" dirty="0" smtClean="0"/>
               <a:t>Mismo esquema repitiendo selección y clasificación </a:t>
@@ -36819,6 +37132,11 @@
             </a:r>
           </a:p>
           <a:p>
+            <a:pPr>
+              <a:lnSpc>
+                <a:spcPct val="150000"/>
+              </a:lnSpc>
+            </a:pPr>
             <a:r>
               <a:rPr lang="es-AR" dirty="0" smtClean="0"/>
               <a:t>Por ventana:</a:t>
@@ -36846,13 +37164,22 @@
             <a:endParaRPr lang="es-AR" dirty="0" smtClean="0"/>
           </a:p>
           <a:p>
+            <a:pPr>
+              <a:lnSpc>
+                <a:spcPct val="150000"/>
+              </a:lnSpc>
+            </a:pPr>
             <a:r>
               <a:rPr lang="es-AR" dirty="0" smtClean="0"/>
               <a:t>Grafico: </a:t>
             </a:r>
           </a:p>
           <a:p>
-            <a:pPr lvl="1"/>
+            <a:pPr lvl="1">
+              <a:lnSpc>
+                <a:spcPct val="150000"/>
+              </a:lnSpc>
+            </a:pPr>
             <a:r>
               <a:rPr lang="es-AR" dirty="0" smtClean="0"/>
               <a:t>media con línea </a:t>
@@ -36864,7 +37191,11 @@
             <a:endParaRPr lang="es-AR" dirty="0" smtClean="0"/>
           </a:p>
           <a:p>
-            <a:pPr lvl="1"/>
+            <a:pPr lvl="1">
+              <a:lnSpc>
+                <a:spcPct val="150000"/>
+              </a:lnSpc>
+            </a:pPr>
             <a:r>
               <a:rPr lang="es-AR" dirty="0" smtClean="0"/>
               <a:t>B.S.E.M. sombreado</a:t>
@@ -36872,6 +37203,11 @@
             <a:endParaRPr lang="es-AR" dirty="0" smtClean="0"/>
           </a:p>
           <a:p>
+            <a:pPr>
+              <a:lnSpc>
+                <a:spcPct val="150000"/>
+              </a:lnSpc>
+            </a:pPr>
             <a:r>
               <a:rPr lang="es-AR" dirty="0" smtClean="0"/>
               <a:t>Comparación de los 4 </a:t>
@@ -37410,98 +37746,119 @@
         </p:nvSpPr>
         <p:spPr>
           <a:xfrm>
-            <a:off x="1484310" y="1528009"/>
-            <a:ext cx="10018713" cy="4070686"/>
+            <a:off x="1484309" y="1752599"/>
+            <a:ext cx="10018713" cy="4727714"/>
           </a:xfrm>
         </p:spPr>
         <p:txBody>
           <a:bodyPr>
-            <a:normAutofit/>
+            <a:normAutofit fontScale="92500" lnSpcReduction="10000"/>
           </a:bodyPr>
           <a:lstStyle/>
           <a:p>
             <a:r>
-              <a:rPr lang="es-AR" dirty="0" smtClean="0"/>
+              <a:rPr lang="es-AR" sz="2600" dirty="0" smtClean="0"/>
               <a:t>Potenciales de acción neuronales obtenidos de 4 ratas </a:t>
             </a:r>
-            <a:endParaRPr lang="es-AR" dirty="0" smtClean="0"/>
-          </a:p>
-          <a:p>
-            <a:r>
-              <a:rPr lang="es-AR" dirty="0" smtClean="0"/>
+            <a:r>
+              <a:rPr lang="es-AR" sz="2600" dirty="0" smtClean="0"/>
+              <a:t/>
+            </a:r>
+            <a:br>
+              <a:rPr lang="es-AR" sz="2600" dirty="0" smtClean="0"/>
+            </a:br>
+            <a:endParaRPr lang="es-AR" sz="2600" dirty="0" smtClean="0"/>
+          </a:p>
+          <a:p>
+            <a:r>
+              <a:rPr lang="es-AR" sz="2600" dirty="0" smtClean="0"/>
               <a:t>Entrenadas </a:t>
             </a:r>
             <a:r>
-              <a:rPr lang="es-AR" dirty="0" smtClean="0"/>
+              <a:rPr lang="es-AR" sz="2600" dirty="0" smtClean="0"/>
               <a:t>hasta 80% de </a:t>
             </a:r>
             <a:r>
-              <a:rPr lang="es-AR" dirty="0" smtClean="0"/>
+              <a:rPr lang="es-AR" sz="2600" dirty="0" smtClean="0"/>
               <a:t>performance; Paradigma GO/NOGO</a:t>
             </a:r>
-          </a:p>
-          <a:p>
-            <a:r>
-              <a:rPr lang="es-AR" dirty="0" smtClean="0"/>
+            <a:br>
+              <a:rPr lang="es-AR" sz="2600" dirty="0" smtClean="0"/>
+            </a:br>
+            <a:endParaRPr lang="es-AR" sz="2600" dirty="0" smtClean="0"/>
+          </a:p>
+          <a:p>
+            <a:r>
+              <a:rPr lang="es-AR" sz="2600" dirty="0" smtClean="0"/>
               <a:t>30 sesiones; trials </a:t>
             </a:r>
             <a:r>
-              <a:rPr lang="es-AR" dirty="0" smtClean="0"/>
+              <a:rPr lang="es-AR" sz="2600" dirty="0" smtClean="0"/>
               <a:t>variables entre 64 y 725 para casa </a:t>
             </a:r>
             <a:r>
-              <a:rPr lang="es-AR" dirty="0" smtClean="0"/>
+              <a:rPr lang="es-AR" sz="2600" dirty="0" smtClean="0"/>
               <a:t>sesión</a:t>
             </a:r>
-            <a:endParaRPr lang="es-AR" dirty="0" smtClean="0"/>
-          </a:p>
-          <a:p>
-            <a:r>
-              <a:rPr lang="es-AR" dirty="0" smtClean="0"/>
+            <a:br>
+              <a:rPr lang="es-AR" sz="2600" dirty="0" smtClean="0"/>
+            </a:br>
+            <a:endParaRPr lang="es-AR" sz="2600" dirty="0" smtClean="0"/>
+          </a:p>
+          <a:p>
+            <a:r>
+              <a:rPr lang="es-AR" sz="2600" dirty="0" smtClean="0"/>
               <a:t>Trials </a:t>
             </a:r>
             <a:r>
-              <a:rPr lang="es-AR" dirty="0" smtClean="0"/>
+              <a:rPr lang="es-AR" sz="2600" dirty="0" smtClean="0"/>
               <a:t>divididos según tipo: GOc, GOi, NOGOc, </a:t>
             </a:r>
             <a:r>
-              <a:rPr lang="es-AR" dirty="0" smtClean="0"/>
+              <a:rPr lang="es-AR" sz="2600" dirty="0" smtClean="0"/>
               <a:t>NOGOi</a:t>
             </a:r>
-            <a:endParaRPr lang="es-AR" dirty="0" smtClean="0"/>
-          </a:p>
-          <a:p>
-            <a:r>
-              <a:rPr lang="es-AR" dirty="0" smtClean="0"/>
+            <a:br>
+              <a:rPr lang="es-AR" sz="2600" dirty="0" smtClean="0"/>
+            </a:br>
+            <a:endParaRPr lang="es-AR" sz="2600" dirty="0" smtClean="0"/>
+          </a:p>
+          <a:p>
+            <a:r>
+              <a:rPr lang="es-AR" sz="2600" dirty="0" smtClean="0"/>
               <a:t>VTA: -4000ms a +4000ms; PFC: -4000ms a +</a:t>
             </a:r>
             <a:r>
-              <a:rPr lang="es-AR" dirty="0" smtClean="0"/>
+              <a:rPr lang="es-AR" sz="2600" dirty="0" smtClean="0"/>
               <a:t>3000ms</a:t>
             </a:r>
-          </a:p>
-          <a:p>
-            <a:r>
-              <a:rPr lang="es-AR" dirty="0" err="1" smtClean="0"/>
+            <a:br>
+              <a:rPr lang="es-AR" sz="2600" dirty="0" smtClean="0"/>
+            </a:br>
+            <a:endParaRPr lang="es-AR" sz="2600" dirty="0" smtClean="0"/>
+          </a:p>
+          <a:p>
+            <a:r>
+              <a:rPr lang="es-AR" sz="2600" dirty="0" err="1" smtClean="0"/>
               <a:t>Spike</a:t>
             </a:r>
             <a:r>
-              <a:rPr lang="es-AR" dirty="0" smtClean="0"/>
+              <a:rPr lang="es-AR" sz="2600" dirty="0" smtClean="0"/>
               <a:t> </a:t>
             </a:r>
             <a:r>
-              <a:rPr lang="es-AR" dirty="0" err="1" smtClean="0"/>
+              <a:rPr lang="es-AR" sz="2600" dirty="0" err="1" smtClean="0"/>
               <a:t>sorting</a:t>
             </a:r>
             <a:r>
-              <a:rPr lang="es-AR" dirty="0" smtClean="0"/>
+              <a:rPr lang="es-AR" sz="2600" dirty="0" smtClean="0"/>
               <a:t> =&gt; 153 neuronas VTA y 95 </a:t>
             </a:r>
             <a:r>
-              <a:rPr lang="es-AR" dirty="0" smtClean="0"/>
+              <a:rPr lang="es-AR" sz="2600" dirty="0" smtClean="0"/>
               <a:t>PFC</a:t>
             </a:r>
-            <a:endParaRPr lang="es-AR" dirty="0" smtClean="0"/>
+            <a:endParaRPr lang="es-AR" sz="2600" dirty="0" smtClean="0"/>
           </a:p>
         </p:txBody>
       </p:sp>
@@ -37771,57 +38128,57 @@
           <a:lstStyle/>
           <a:p>
             <a:r>
-              <a:rPr lang="es-AR" dirty="0" smtClean="0"/>
+              <a:rPr lang="es-AR" sz="2600" dirty="0" smtClean="0"/>
               <a:t>Se demuestra que hay información en las 2 áreas del </a:t>
             </a:r>
             <a:r>
-              <a:rPr lang="es-AR" dirty="0" smtClean="0"/>
+              <a:rPr lang="es-AR" sz="2600" dirty="0" smtClean="0"/>
               <a:t>cerebro</a:t>
             </a:r>
           </a:p>
           <a:p>
-            <a:endParaRPr lang="es-AR" dirty="0" smtClean="0"/>
-          </a:p>
-          <a:p>
-            <a:r>
-              <a:rPr lang="es-AR" dirty="0" smtClean="0"/>
+            <a:endParaRPr lang="es-AR" sz="2600" dirty="0" smtClean="0"/>
+          </a:p>
+          <a:p>
+            <a:r>
+              <a:rPr lang="es-AR" sz="2600" dirty="0" smtClean="0"/>
               <a:t>Un </a:t>
             </a:r>
             <a:r>
-              <a:rPr lang="es-AR" dirty="0" smtClean="0"/>
+              <a:rPr lang="es-AR" sz="2600" dirty="0" smtClean="0"/>
               <a:t>clasificador puede aprender</a:t>
             </a:r>
             <a:r>
-              <a:rPr lang="es-AR" dirty="0" smtClean="0"/>
+              <a:rPr lang="es-AR" sz="2600" dirty="0" smtClean="0"/>
               <a:t> comportamiento</a:t>
             </a:r>
-            <a:endParaRPr lang="es-AR" dirty="0" smtClean="0"/>
-          </a:p>
-          <a:p>
-            <a:endParaRPr lang="es-AR" dirty="0" smtClean="0"/>
-          </a:p>
-          <a:p>
-            <a:r>
-              <a:rPr lang="es-AR" dirty="0" err="1" smtClean="0"/>
+            <a:endParaRPr lang="es-AR" sz="2600" dirty="0" smtClean="0"/>
+          </a:p>
+          <a:p>
+            <a:endParaRPr lang="es-AR" sz="2600" dirty="0" smtClean="0"/>
+          </a:p>
+          <a:p>
+            <a:r>
+              <a:rPr lang="es-AR" sz="2600" dirty="0" err="1" smtClean="0"/>
               <a:t>Random</a:t>
             </a:r>
             <a:r>
-              <a:rPr lang="es-AR" dirty="0" smtClean="0"/>
+              <a:rPr lang="es-AR" sz="2600" dirty="0" smtClean="0"/>
               <a:t> </a:t>
             </a:r>
             <a:r>
-              <a:rPr lang="es-AR" dirty="0" err="1" smtClean="0"/>
+              <a:rPr lang="es-AR" sz="2600" dirty="0" err="1" smtClean="0"/>
               <a:t>Forest</a:t>
             </a:r>
             <a:r>
-              <a:rPr lang="es-AR" dirty="0" smtClean="0"/>
+              <a:rPr lang="es-AR" sz="2600" dirty="0" smtClean="0"/>
               <a:t> y </a:t>
             </a:r>
             <a:r>
-              <a:rPr lang="es-AR" dirty="0" smtClean="0"/>
+              <a:rPr lang="es-AR" sz="2600" dirty="0" smtClean="0"/>
               <a:t>SVM: mejores métodos para estos datos</a:t>
             </a:r>
-            <a:endParaRPr lang="es-AR" dirty="0"/>
+            <a:endParaRPr lang="es-AR" sz="2600" dirty="0"/>
           </a:p>
         </p:txBody>
       </p:sp>
@@ -37902,17 +38259,20 @@
         </p:nvSpPr>
         <p:spPr>
           <a:xfrm>
-            <a:off x="1484309" y="2110694"/>
-            <a:ext cx="10018713" cy="3124201"/>
+            <a:off x="1484309" y="1649894"/>
+            <a:ext cx="10018713" cy="4750904"/>
           </a:xfrm>
         </p:spPr>
         <p:txBody>
           <a:bodyPr>
-            <a:normAutofit lnSpcReduction="10000"/>
+            <a:normAutofit/>
           </a:bodyPr>
           <a:lstStyle/>
           <a:p>
             <a:pPr>
+              <a:lnSpc>
+                <a:spcPct val="150000"/>
+              </a:lnSpc>
               <a:buFont typeface="Wingdings" panose="05000000000000000000" pitchFamily="2" charset="2"/>
               <a:buChar char="þ"/>
             </a:pPr>
@@ -37935,6 +38295,9 @@
           </a:p>
           <a:p>
             <a:pPr>
+              <a:lnSpc>
+                <a:spcPct val="150000"/>
+              </a:lnSpc>
               <a:buFont typeface="Wingdings" panose="05000000000000000000" pitchFamily="2" charset="2"/>
               <a:buChar char="þ"/>
             </a:pPr>
@@ -37953,6 +38316,9 @@
           </a:p>
           <a:p>
             <a:pPr>
+              <a:lnSpc>
+                <a:spcPct val="150000"/>
+              </a:lnSpc>
               <a:buFont typeface="Wingdings" panose="05000000000000000000" pitchFamily="2" charset="2"/>
               <a:buChar char=""/>
             </a:pPr>
@@ -37963,6 +38329,9 @@
           </a:p>
           <a:p>
             <a:pPr>
+              <a:lnSpc>
+                <a:spcPct val="150000"/>
+              </a:lnSpc>
               <a:buFont typeface="Wingdings" panose="05000000000000000000" pitchFamily="2" charset="2"/>
               <a:buChar char=""/>
             </a:pPr>
@@ -37973,6 +38342,9 @@
           </a:p>
           <a:p>
             <a:pPr>
+              <a:lnSpc>
+                <a:spcPct val="150000"/>
+              </a:lnSpc>
               <a:buFont typeface="Wingdings" panose="05000000000000000000" pitchFamily="2" charset="2"/>
               <a:buChar char=""/>
             </a:pPr>
@@ -39886,6 +40258,11 @@
           </a:bodyPr>
           <a:lstStyle/>
           <a:p>
+            <a:pPr>
+              <a:lnSpc>
+                <a:spcPct val="150000"/>
+              </a:lnSpc>
+            </a:pPr>
             <a:r>
               <a:rPr lang="es-AR" dirty="0" smtClean="0"/>
               <a:t>Resultado importante! </a:t>
@@ -39905,6 +40282,11 @@
             <a:endParaRPr lang="es-AR" dirty="0" smtClean="0"/>
           </a:p>
           <a:p>
+            <a:pPr>
+              <a:lnSpc>
+                <a:spcPct val="150000"/>
+              </a:lnSpc>
+            </a:pPr>
             <a:r>
               <a:rPr lang="es-AR" dirty="0" smtClean="0"/>
               <a:t>En PFC</a:t>
@@ -40267,7 +40649,7 @@
         </p:nvSpPr>
         <p:spPr>
           <a:xfrm>
-            <a:off x="1484308" y="1636483"/>
+            <a:off x="1484308" y="1686178"/>
             <a:ext cx="10018713" cy="3937003"/>
           </a:xfrm>
         </p:spPr>
@@ -40340,8 +40722,12 @@
               <a:t>El </a:t>
             </a:r>
             <a:r>
+              <a:rPr lang="es-AR" sz="2600" dirty="0" smtClean="0"/>
+              <a:t>pico</a:t>
+            </a:r>
+            <a:r>
               <a:rPr lang="es-AR" dirty="0" smtClean="0"/>
-              <a:t>pico </a:t>
+              <a:t> </a:t>
             </a:r>
             <a:r>
               <a:rPr lang="es-AR" dirty="0" smtClean="0"/>
@@ -40447,17 +40833,20 @@
         </p:nvSpPr>
         <p:spPr>
           <a:xfrm>
-            <a:off x="1484309" y="2110694"/>
-            <a:ext cx="10018713" cy="3124201"/>
+            <a:off x="1484309" y="1500808"/>
+            <a:ext cx="10018713" cy="4999383"/>
           </a:xfrm>
         </p:spPr>
         <p:txBody>
           <a:bodyPr>
-            <a:normAutofit lnSpcReduction="10000"/>
+            <a:normAutofit/>
           </a:bodyPr>
           <a:lstStyle/>
           <a:p>
             <a:pPr>
+              <a:lnSpc>
+                <a:spcPct val="150000"/>
+              </a:lnSpc>
               <a:buFont typeface="Wingdings" panose="05000000000000000000" pitchFamily="2" charset="2"/>
               <a:buChar char="þ"/>
             </a:pPr>
@@ -40480,6 +40869,9 @@
           </a:p>
           <a:p>
             <a:pPr>
+              <a:lnSpc>
+                <a:spcPct val="150000"/>
+              </a:lnSpc>
               <a:buFont typeface="Wingdings" panose="05000000000000000000" pitchFamily="2" charset="2"/>
               <a:buChar char="þ"/>
             </a:pPr>
@@ -40498,6 +40890,9 @@
           </a:p>
           <a:p>
             <a:pPr>
+              <a:lnSpc>
+                <a:spcPct val="150000"/>
+              </a:lnSpc>
               <a:buFont typeface="Wingdings" panose="05000000000000000000" pitchFamily="2" charset="2"/>
               <a:buChar char="þ"/>
             </a:pPr>
@@ -40508,6 +40903,9 @@
           </a:p>
           <a:p>
             <a:pPr>
+              <a:lnSpc>
+                <a:spcPct val="150000"/>
+              </a:lnSpc>
               <a:buFont typeface="Wingdings" panose="05000000000000000000" pitchFamily="2" charset="2"/>
               <a:buChar char=""/>
             </a:pPr>
@@ -40518,6 +40916,9 @@
           </a:p>
           <a:p>
             <a:pPr>
+              <a:lnSpc>
+                <a:spcPct val="150000"/>
+              </a:lnSpc>
               <a:buFont typeface="Wingdings" panose="05000000000000000000" pitchFamily="2" charset="2"/>
               <a:buChar char=""/>
             </a:pPr>
@@ -40622,7 +41023,7 @@
             <p:spPr>
               <a:xfrm>
                 <a:off x="1484308" y="1636483"/>
-                <a:ext cx="10018713" cy="3937003"/>
+                <a:ext cx="10018713" cy="4674865"/>
               </a:xfrm>
             </p:spPr>
             <p:txBody>
@@ -40631,6 +41032,11 @@
               </a:bodyPr>
               <a:lstStyle/>
               <a:p>
+                <a:pPr>
+                  <a:lnSpc>
+                    <a:spcPct val="200000"/>
+                  </a:lnSpc>
+                </a:pPr>
                 <a:r>
                   <a:rPr lang="es-AR" dirty="0" smtClean="0"/>
                   <a:t>Frecuencia de disparo promedio de VTA=</a:t>
@@ -40677,12 +41083,22 @@
                 </a:r>
               </a:p>
               <a:p>
+                <a:pPr>
+                  <a:lnSpc>
+                    <a:spcPct val="200000"/>
+                  </a:lnSpc>
+                </a:pPr>
                 <a:r>
                   <a:rPr lang="es-AR" dirty="0" smtClean="0"/>
                   <a:t>Ventanas mas grandes atrapan mas spikes =&gt; mejor clasificación.</a:t>
                 </a:r>
               </a:p>
               <a:p>
+                <a:pPr>
+                  <a:lnSpc>
+                    <a:spcPct val="200000"/>
+                  </a:lnSpc>
+                </a:pPr>
                 <a:r>
                   <a:rPr lang="es-AR" dirty="0" smtClean="0"/>
                   <a:t>Ventanas mas cortas proveen una decisión mas rápida (necesario en BMI</a:t>
@@ -40693,6 +41109,11 @@
                 </a:r>
               </a:p>
               <a:p>
+                <a:pPr>
+                  <a:lnSpc>
+                    <a:spcPct val="200000"/>
+                  </a:lnSpc>
+                </a:pPr>
                 <a:r>
                   <a:rPr lang="es-AR" dirty="0" smtClean="0"/>
                   <a:t>Interesante: Buscar </a:t>
@@ -40703,6 +41124,11 @@
                 </a:r>
               </a:p>
               <a:p>
+                <a:pPr>
+                  <a:lnSpc>
+                    <a:spcPct val="200000"/>
+                  </a:lnSpc>
+                </a:pPr>
                 <a:r>
                   <a:rPr lang="es-AR" dirty="0" smtClean="0"/>
                   <a:t>Se utiliza </a:t>
@@ -40746,7 +41172,7 @@
             <p:spPr>
               <a:xfrm>
                 <a:off x="1484308" y="1636483"/>
-                <a:ext cx="10018713" cy="3937003"/>
+                <a:ext cx="10018713" cy="4674865"/>
               </a:xfrm>
               <a:blipFill rotWithShape="0">
                 <a:blip r:embed="rId3"/>
@@ -40860,8 +41286,8 @@
         </p:nvSpPr>
         <p:spPr>
           <a:xfrm>
-            <a:off x="9547214" y="1146628"/>
-            <a:ext cx="2696471" cy="4843689"/>
+            <a:off x="1232452" y="1132114"/>
+            <a:ext cx="1353981" cy="4843689"/>
           </a:xfrm>
         </p:spPr>
         <p:txBody>
@@ -40901,7 +41327,7 @@
         </p:blipFill>
         <p:spPr>
           <a:xfrm>
-            <a:off x="1577174" y="1146628"/>
+            <a:off x="2555077" y="1146628"/>
             <a:ext cx="7877175" cy="4829175"/>
           </a:xfrm>
           <a:prstGeom prst="rect">
@@ -40921,8 +41347,8 @@
             </p:nvSpPr>
             <p:spPr>
               <a:xfrm>
-                <a:off x="1484310" y="5990317"/>
-                <a:ext cx="7970040" cy="867683"/>
+                <a:off x="2586433" y="5990317"/>
+                <a:ext cx="7901583" cy="867683"/>
               </a:xfrm>
               <a:prstGeom prst="rect">
                 <a:avLst/>
@@ -41232,8 +41658,8 @@
             </p:nvSpPr>
             <p:spPr>
               <a:xfrm>
-                <a:off x="1484310" y="5990317"/>
-                <a:ext cx="7970040" cy="867683"/>
+                <a:off x="2586433" y="5990317"/>
+                <a:ext cx="7901583" cy="867683"/>
               </a:xfrm>
               <a:prstGeom prst="rect">
                 <a:avLst/>
@@ -41565,38 +41991,38 @@
               <a:lstStyle/>
               <a:p>
                 <a:r>
-                  <a:rPr lang="es-AR" dirty="0" smtClean="0"/>
+                  <a:rPr lang="es-AR" sz="2600" dirty="0" smtClean="0"/>
                   <a:t>No se observan diferencias significativas</a:t>
                 </a:r>
               </a:p>
               <a:p>
-                <a:endParaRPr lang="es-AR" dirty="0" smtClean="0"/>
+                <a:endParaRPr lang="es-AR" sz="2600" dirty="0" smtClean="0"/>
               </a:p>
               <a:p>
                 <a:r>
-                  <a:rPr lang="es-AR" dirty="0" smtClean="0"/>
+                  <a:rPr lang="es-AR" sz="2600" dirty="0" smtClean="0"/>
                   <a:t>Ventana </a:t>
                 </a:r>
                 <a:r>
-                  <a:rPr lang="es-AR" dirty="0" smtClean="0"/>
+                  <a:rPr lang="es-AR" sz="2600" dirty="0" smtClean="0"/>
                   <a:t>&gt; </a:t>
                 </a:r>
                 <a14:m>
                   <m:oMath xmlns:m="http://schemas.openxmlformats.org/officeDocument/2006/math">
                     <m:r>
-                      <a:rPr lang="es-AR" b="0" i="0" smtClean="0">
+                      <a:rPr lang="es-AR" sz="2600" b="0" i="0" smtClean="0">
                         <a:latin typeface="Cambria Math" panose="02040503050406030204" pitchFamily="18" charset="0"/>
                       </a:rPr>
                       <m:t>150</m:t>
                     </m:r>
                     <m:r>
-                      <a:rPr lang="es-AR" i="1">
+                      <a:rPr lang="es-AR" sz="2600" i="1">
                         <a:latin typeface="Cambria Math" panose="02040503050406030204" pitchFamily="18" charset="0"/>
                       </a:rPr>
                       <m:t>0</m:t>
                     </m:r>
                     <m:r>
-                      <a:rPr lang="es-AR" i="1">
+                      <a:rPr lang="es-AR" sz="2600" i="1">
                         <a:latin typeface="Cambria Math" panose="02040503050406030204" pitchFamily="18" charset="0"/>
                       </a:rPr>
                       <m:t>𝑚𝑠</m:t>
@@ -41604,17 +42030,17 @@
                   </m:oMath>
                 </a14:m>
                 <a:r>
-                  <a:rPr lang="es-AR" dirty="0" smtClean="0"/>
+                  <a:rPr lang="es-AR" sz="2600" dirty="0" smtClean="0"/>
                   <a:t> =&gt; performance perfecta </a:t>
                 </a:r>
                 <a:r>
-                  <a:rPr lang="es-AR" dirty="0" smtClean="0"/>
+                  <a:rPr lang="es-AR" sz="2600" dirty="0" smtClean="0"/>
                   <a:t>(</a:t>
                 </a:r>
                 <a14:m>
                   <m:oMath xmlns:m="http://schemas.openxmlformats.org/officeDocument/2006/math">
                     <m:r>
-                      <a:rPr lang="es-AR" b="0" i="1" dirty="0" smtClean="0">
+                      <a:rPr lang="es-AR" sz="2600" b="0" i="1" dirty="0" smtClean="0">
                         <a:latin typeface="Cambria Math" panose="02040503050406030204" pitchFamily="18" charset="0"/>
                       </a:rPr>
                       <m:t>100% ±0</m:t>
@@ -41622,24 +42048,24 @@
                   </m:oMath>
                 </a14:m>
                 <a:r>
-                  <a:rPr lang="es-AR" dirty="0" smtClean="0"/>
+                  <a:rPr lang="es-AR" sz="2600" dirty="0" smtClean="0"/>
                   <a:t>).</a:t>
                 </a:r>
-                <a:endParaRPr lang="es-AR" dirty="0" smtClean="0"/>
+                <a:endParaRPr lang="es-AR" sz="2600" dirty="0" smtClean="0"/>
               </a:p>
               <a:p>
-                <a:endParaRPr lang="es-AR" dirty="0" smtClean="0"/>
+                <a:endParaRPr lang="es-AR" sz="2600" dirty="0" smtClean="0"/>
               </a:p>
               <a:p>
                 <a:r>
-                  <a:rPr lang="es-AR" dirty="0"/>
+                  <a:rPr lang="es-AR" sz="2600" dirty="0"/>
                   <a:t>Se concluye que se puede utilizar una ventana </a:t>
                 </a:r>
                 <a:r>
-                  <a:rPr lang="es-AR" dirty="0" smtClean="0"/>
+                  <a:rPr lang="es-AR" sz="2600" dirty="0" smtClean="0"/>
                   <a:t>corta</a:t>
                 </a:r>
-                <a:endParaRPr lang="es-AR" dirty="0"/>
+                <a:endParaRPr lang="es-AR" sz="2600" dirty="0"/>
               </a:p>
             </p:txBody>
           </p:sp>
@@ -41663,7 +42089,7 @@
               <a:blipFill rotWithShape="0">
                 <a:blip r:embed="rId3"/>
                 <a:stretch>
-                  <a:fillRect l="-1521"/>
+                  <a:fillRect l="-1825"/>
                 </a:stretch>
               </a:blipFill>
             </p:spPr>
@@ -41759,100 +42185,100 @@
         </p:nvSpPr>
         <p:spPr>
           <a:xfrm>
-            <a:off x="1325483" y="1169130"/>
+            <a:off x="1477082" y="1319611"/>
             <a:ext cx="7428783" cy="5117431"/>
           </a:xfrm>
         </p:spPr>
         <p:txBody>
           <a:bodyPr>
-            <a:normAutofit/>
+            <a:noAutofit/>
           </a:bodyPr>
           <a:lstStyle/>
           <a:p>
             <a:r>
-              <a:rPr lang="es-AR" dirty="0" smtClean="0"/>
+              <a:rPr lang="es-AR" sz="2600" dirty="0" smtClean="0"/>
               <a:t>3 estructuras, subdivididas en 30 </a:t>
             </a:r>
             <a:r>
-              <a:rPr lang="es-AR" dirty="0" smtClean="0"/>
+              <a:rPr lang="es-AR" sz="2600" dirty="0" smtClean="0"/>
               <a:t>sesiones</a:t>
             </a:r>
-            <a:endParaRPr lang="es-AR" dirty="0" smtClean="0"/>
+            <a:endParaRPr lang="es-AR" sz="2600" dirty="0" smtClean="0"/>
           </a:p>
           <a:p>
             <a:pPr lvl="1"/>
             <a:r>
-              <a:rPr lang="es-AR" dirty="0" err="1" smtClean="0"/>
+              <a:rPr lang="es-AR" sz="2200" dirty="0" err="1" smtClean="0"/>
               <a:t>dataBEH</a:t>
             </a:r>
             <a:r>
-              <a:rPr lang="es-AR" dirty="0" smtClean="0"/>
+              <a:rPr lang="es-AR" sz="2200" dirty="0" smtClean="0"/>
               <a:t>: 4 vectores para cada </a:t>
             </a:r>
             <a:r>
-              <a:rPr lang="es-AR" dirty="0" smtClean="0"/>
+              <a:rPr lang="es-AR" sz="2200" dirty="0" smtClean="0"/>
               <a:t>sesión </a:t>
             </a:r>
             <a:br>
-              <a:rPr lang="es-AR" dirty="0" smtClean="0"/>
+              <a:rPr lang="es-AR" sz="2200" dirty="0" smtClean="0"/>
             </a:br>
             <a:r>
-              <a:rPr lang="es-AR" dirty="0" smtClean="0"/>
+              <a:rPr lang="es-AR" sz="2200" dirty="0" smtClean="0"/>
               <a:t>Cada </a:t>
             </a:r>
             <a:r>
-              <a:rPr lang="es-AR" dirty="0" smtClean="0"/>
+              <a:rPr lang="es-AR" sz="2200" dirty="0" smtClean="0"/>
               <a:t>vector asociado a una </a:t>
             </a:r>
             <a:r>
-              <a:rPr lang="es-AR" dirty="0" smtClean="0"/>
+              <a:rPr lang="es-AR" sz="2200" dirty="0" smtClean="0"/>
               <a:t>respuesta</a:t>
             </a:r>
-            <a:endParaRPr lang="es-AR" dirty="0" smtClean="0"/>
+            <a:endParaRPr lang="es-AR" sz="2200" dirty="0" smtClean="0"/>
           </a:p>
           <a:p>
             <a:pPr lvl="1"/>
             <a:r>
-              <a:rPr lang="es-AR" dirty="0" err="1" smtClean="0"/>
+              <a:rPr lang="es-AR" sz="2200" dirty="0" err="1" smtClean="0"/>
               <a:t>dataVTA</a:t>
             </a:r>
             <a:r>
-              <a:rPr lang="es-AR" dirty="0" smtClean="0"/>
+              <a:rPr lang="es-AR" sz="2200" dirty="0" smtClean="0"/>
               <a:t> y </a:t>
             </a:r>
             <a:r>
-              <a:rPr lang="es-AR" dirty="0" err="1" smtClean="0"/>
+              <a:rPr lang="es-AR" sz="2200" dirty="0" err="1" smtClean="0"/>
               <a:t>dataPFC</a:t>
             </a:r>
             <a:r>
-              <a:rPr lang="es-AR" dirty="0" smtClean="0"/>
+              <a:rPr lang="es-AR" sz="2200" dirty="0" smtClean="0"/>
               <a:t>: una o mas </a:t>
             </a:r>
             <a:r>
-              <a:rPr lang="es-AR" dirty="0" smtClean="0"/>
+              <a:rPr lang="es-AR" sz="2200" dirty="0" smtClean="0"/>
               <a:t>para </a:t>
             </a:r>
             <a:r>
-              <a:rPr lang="es-AR" dirty="0" smtClean="0"/>
+              <a:rPr lang="es-AR" sz="2200" dirty="0" smtClean="0"/>
               <a:t>cada </a:t>
             </a:r>
             <a:r>
-              <a:rPr lang="es-AR" dirty="0" smtClean="0"/>
+              <a:rPr lang="es-AR" sz="2200" dirty="0" smtClean="0"/>
               <a:t>sesión</a:t>
             </a:r>
             <a:br>
-              <a:rPr lang="es-AR" dirty="0" smtClean="0"/>
+              <a:rPr lang="es-AR" sz="2200" dirty="0" smtClean="0"/>
             </a:br>
             <a:r>
-              <a:rPr lang="es-AR" dirty="0" smtClean="0"/>
+              <a:rPr lang="es-AR" sz="2200" dirty="0" smtClean="0"/>
               <a:t>Trials </a:t>
             </a:r>
             <a:r>
-              <a:rPr lang="es-AR" dirty="0" smtClean="0"/>
+              <a:rPr lang="es-AR" sz="2200" dirty="0" smtClean="0"/>
               <a:t>como filas, tiempo como columnas</a:t>
             </a:r>
             <a:r>
-              <a:rPr lang="es-AR" dirty="0" smtClean="0"/>
+              <a:rPr lang="es-AR" sz="2200" dirty="0" smtClean="0"/>
               <a:t>.</a:t>
             </a:r>
           </a:p>
@@ -41865,40 +42291,44 @@
           <a:p>
             <a:r>
               <a:rPr lang="es-AR" dirty="0" smtClean="0"/>
-              <a:t> Distribución de los datos muy </a:t>
-            </a:r>
-            <a:r>
-              <a:rPr lang="es-AR" dirty="0" smtClean="0"/>
+              <a:t> </a:t>
+            </a:r>
+            <a:r>
+              <a:rPr lang="es-AR" sz="2600" dirty="0" smtClean="0"/>
+              <a:t>Distribución de los datos muy </a:t>
+            </a:r>
+            <a:r>
+              <a:rPr lang="es-AR" sz="2600" dirty="0" smtClean="0"/>
               <a:t>despareja</a:t>
             </a:r>
-            <a:endParaRPr lang="es-AR" dirty="0" smtClean="0"/>
+            <a:endParaRPr lang="es-AR" sz="2600" dirty="0" smtClean="0"/>
           </a:p>
           <a:p>
             <a:pPr lvl="1"/>
             <a:r>
-              <a:rPr lang="es-AR" dirty="0"/>
+              <a:rPr lang="es-AR" sz="2200" dirty="0"/>
               <a:t>GOc: 3169</a:t>
             </a:r>
-            <a:endParaRPr lang="es-AR" dirty="0" smtClean="0"/>
+            <a:endParaRPr lang="es-AR" sz="2200" dirty="0" smtClean="0"/>
           </a:p>
           <a:p>
             <a:pPr lvl="1"/>
             <a:r>
-              <a:rPr lang="es-AR" dirty="0"/>
+              <a:rPr lang="es-AR" sz="2200" dirty="0"/>
               <a:t>GOi: 367</a:t>
             </a:r>
           </a:p>
           <a:p>
             <a:pPr lvl="1"/>
             <a:r>
-              <a:rPr lang="es-AR" dirty="0"/>
+              <a:rPr lang="es-AR" sz="2200" dirty="0"/>
               <a:t>NOGOc: 2701</a:t>
             </a:r>
           </a:p>
           <a:p>
             <a:pPr lvl="1"/>
             <a:r>
-              <a:rPr lang="es-AR" dirty="0"/>
+              <a:rPr lang="es-AR" sz="2200" dirty="0"/>
               <a:t>NOGOi: 686</a:t>
             </a:r>
           </a:p>
@@ -41913,13 +42343,13 @@
           <p:nvPr>
             <p:extLst>
               <p:ext uri="{D42A27DB-BD31-4B8C-83A1-F6EECF244321}">
-                <p14:modId xmlns:p14="http://schemas.microsoft.com/office/powerpoint/2010/main" val="2989279167"/>
+                <p14:modId xmlns:p14="http://schemas.microsoft.com/office/powerpoint/2010/main" val="3231173690"/>
               </p:ext>
             </p:extLst>
           </p:nvPr>
         </p:nvGraphicFramePr>
         <p:xfrm>
-          <a:off x="8881771" y="1171079"/>
+          <a:off x="8573654" y="1489131"/>
           <a:ext cx="683491" cy="1854200"/>
         </p:xfrm>
         <a:graphic>
@@ -42028,13 +42458,13 @@
           <p:nvPr>
             <p:extLst>
               <p:ext uri="{D42A27DB-BD31-4B8C-83A1-F6EECF244321}">
-                <p14:modId xmlns:p14="http://schemas.microsoft.com/office/powerpoint/2010/main" val="3253199007"/>
+                <p14:modId xmlns:p14="http://schemas.microsoft.com/office/powerpoint/2010/main" val="1364906451"/>
               </p:ext>
             </p:extLst>
           </p:nvPr>
         </p:nvGraphicFramePr>
         <p:xfrm>
-          <a:off x="9620680" y="1171074"/>
+          <a:off x="9312563" y="1489126"/>
           <a:ext cx="683491" cy="1854200"/>
         </p:xfrm>
         <a:graphic>
@@ -42144,13 +42574,13 @@
           <p:nvPr>
             <p:extLst>
               <p:ext uri="{D42A27DB-BD31-4B8C-83A1-F6EECF244321}">
-                <p14:modId xmlns:p14="http://schemas.microsoft.com/office/powerpoint/2010/main" val="3560195560"/>
+                <p14:modId xmlns:p14="http://schemas.microsoft.com/office/powerpoint/2010/main" val="1561254519"/>
               </p:ext>
             </p:extLst>
           </p:nvPr>
         </p:nvGraphicFramePr>
         <p:xfrm>
-          <a:off x="10359589" y="1171074"/>
+          <a:off x="10051472" y="1489126"/>
           <a:ext cx="646546" cy="1854200"/>
         </p:xfrm>
         <a:graphic>
@@ -42260,13 +42690,13 @@
           <p:nvPr>
             <p:extLst>
               <p:ext uri="{D42A27DB-BD31-4B8C-83A1-F6EECF244321}">
-                <p14:modId xmlns:p14="http://schemas.microsoft.com/office/powerpoint/2010/main" val="465147241"/>
+                <p14:modId xmlns:p14="http://schemas.microsoft.com/office/powerpoint/2010/main" val="3152263570"/>
               </p:ext>
             </p:extLst>
           </p:nvPr>
         </p:nvGraphicFramePr>
         <p:xfrm>
-          <a:off x="11098498" y="1171074"/>
+          <a:off x="10790381" y="1489126"/>
           <a:ext cx="683491" cy="1854200"/>
         </p:xfrm>
         <a:graphic>
@@ -42375,7 +42805,7 @@
         </p:nvSpPr>
         <p:spPr>
           <a:xfrm>
-            <a:off x="9721326" y="799798"/>
+            <a:off x="9413209" y="1117850"/>
             <a:ext cx="1032655" cy="369332"/>
           </a:xfrm>
           <a:prstGeom prst="rect">
@@ -42405,20 +42835,20 @@
           <p:nvPr>
             <p:extLst>
               <p:ext uri="{D42A27DB-BD31-4B8C-83A1-F6EECF244321}">
-                <p14:modId xmlns:p14="http://schemas.microsoft.com/office/powerpoint/2010/main" val="543035238"/>
+                <p14:modId xmlns:p14="http://schemas.microsoft.com/office/powerpoint/2010/main" val="1170003714"/>
               </p:ext>
             </p:extLst>
           </p:nvPr>
         </p:nvGraphicFramePr>
         <p:xfrm>
-          <a:off x="8881921" y="4065588"/>
+          <a:off x="8573804" y="4383640"/>
           <a:ext cx="2900363" cy="2114550"/>
         </p:xfrm>
         <a:graphic>
           <a:graphicData uri="http://schemas.openxmlformats.org/presentationml/2006/ole">
             <mc:AlternateContent xmlns:mc="http://schemas.openxmlformats.org/markup-compatibility/2006">
               <mc:Choice xmlns:v="urn:schemas-microsoft-com:vml" Requires="v">
-                <p:oleObj spid="_x0000_s1179" name="Hoja de cálculo" r:id="rId4" imgW="3371799" imgH="2114640" progId="Excel.Sheet.12">
+                <p:oleObj spid="_x0000_s1207" name="Hoja de cálculo" r:id="rId4" imgW="3371799" imgH="2114640" progId="Excel.Sheet.12">
                   <p:embed/>
                 </p:oleObj>
               </mc:Choice>
@@ -42439,7 +42869,7 @@
                     </p:blipFill>
                     <p:spPr>
                       <a:xfrm>
-                        <a:off x="8881921" y="4065588"/>
+                        <a:off x="8573804" y="4383640"/>
                         <a:ext cx="2900363" cy="2114550"/>
                       </a:xfrm>
                       <a:prstGeom prst="rect">
@@ -42461,7 +42891,7 @@
         </p:nvSpPr>
         <p:spPr>
           <a:xfrm>
-            <a:off x="9313810" y="3610324"/>
+            <a:off x="9005693" y="3928376"/>
             <a:ext cx="2036583" cy="369332"/>
           </a:xfrm>
           <a:prstGeom prst="rect">
@@ -42567,17 +42997,20 @@
         </p:nvSpPr>
         <p:spPr>
           <a:xfrm>
-            <a:off x="1484309" y="2110694"/>
-            <a:ext cx="10018713" cy="3124201"/>
+            <a:off x="1484309" y="1570384"/>
+            <a:ext cx="10018713" cy="4939746"/>
           </a:xfrm>
         </p:spPr>
         <p:txBody>
           <a:bodyPr>
-            <a:normAutofit lnSpcReduction="10000"/>
+            <a:normAutofit/>
           </a:bodyPr>
           <a:lstStyle/>
           <a:p>
             <a:pPr>
+              <a:lnSpc>
+                <a:spcPct val="150000"/>
+              </a:lnSpc>
               <a:buFont typeface="Wingdings" panose="05000000000000000000" pitchFamily="2" charset="2"/>
               <a:buChar char="þ"/>
             </a:pPr>
@@ -42600,6 +43033,9 @@
           </a:p>
           <a:p>
             <a:pPr>
+              <a:lnSpc>
+                <a:spcPct val="150000"/>
+              </a:lnSpc>
               <a:buFont typeface="Wingdings" panose="05000000000000000000" pitchFamily="2" charset="2"/>
               <a:buChar char="þ"/>
             </a:pPr>
@@ -42618,6 +43054,9 @@
           </a:p>
           <a:p>
             <a:pPr>
+              <a:lnSpc>
+                <a:spcPct val="150000"/>
+              </a:lnSpc>
               <a:buFont typeface="Wingdings" panose="05000000000000000000" pitchFamily="2" charset="2"/>
               <a:buChar char="þ"/>
             </a:pPr>
@@ -42628,6 +43067,9 @@
           </a:p>
           <a:p>
             <a:pPr>
+              <a:lnSpc>
+                <a:spcPct val="150000"/>
+              </a:lnSpc>
               <a:buFont typeface="Wingdings" panose="05000000000000000000" pitchFamily="2" charset="2"/>
               <a:buChar char="þ"/>
             </a:pPr>
@@ -42638,6 +43080,9 @@
           </a:p>
           <a:p>
             <a:pPr>
+              <a:lnSpc>
+                <a:spcPct val="150000"/>
+              </a:lnSpc>
               <a:buFont typeface="Wingdings" panose="05000000000000000000" pitchFamily="2" charset="2"/>
               <a:buChar char=""/>
             </a:pPr>
@@ -42739,6 +43184,11 @@
               </a:bodyPr>
               <a:lstStyle/>
               <a:p>
+                <a:pPr>
+                  <a:lnSpc>
+                    <a:spcPct val="200000"/>
+                  </a:lnSpc>
+                </a:pPr>
                 <a:r>
                   <a:rPr lang="es-AR" dirty="0" smtClean="0"/>
                   <a:t>¿</a:t>
@@ -42774,6 +43224,11 @@
                 <a:endParaRPr lang="es-AR" dirty="0" smtClean="0"/>
               </a:p>
               <a:p>
+                <a:pPr>
+                  <a:lnSpc>
+                    <a:spcPct val="200000"/>
+                  </a:lnSpc>
+                </a:pPr>
                 <a:r>
                   <a:rPr lang="es-AR" dirty="0"/>
                   <a:t>Agrupamiento </a:t>
@@ -42801,6 +43256,11 @@
                 <a:endParaRPr lang="es-AR" dirty="0" smtClean="0"/>
               </a:p>
               <a:p>
+                <a:pPr>
+                  <a:lnSpc>
+                    <a:spcPct val="200000"/>
+                  </a:lnSpc>
+                </a:pPr>
                 <a:r>
                   <a:rPr lang="es-AR" dirty="0"/>
                   <a:t>Agrupamiento </a:t>
@@ -42844,6 +43304,11 @@
                 <a:endParaRPr lang="es-AR" dirty="0" smtClean="0"/>
               </a:p>
               <a:p>
+                <a:pPr>
+                  <a:lnSpc>
+                    <a:spcPct val="200000"/>
+                  </a:lnSpc>
+                </a:pPr>
                 <a:r>
                   <a:rPr lang="es-AR" dirty="0" smtClean="0"/>
                   <a:t>Análisis sobre VTA </a:t>
@@ -42858,6 +43323,11 @@
                 </a:r>
               </a:p>
               <a:p>
+                <a:pPr>
+                  <a:lnSpc>
+                    <a:spcPct val="200000"/>
+                  </a:lnSpc>
+                </a:pPr>
                 <a:r>
                   <a:rPr lang="es-AR" dirty="0" smtClean="0"/>
                   <a:t>Ventana de </a:t>
@@ -43227,7 +43697,7 @@
             <p:spPr>
               <a:xfrm>
                 <a:off x="1484308" y="972457"/>
-                <a:ext cx="10018713" cy="5036457"/>
+                <a:ext cx="10018713" cy="5478039"/>
               </a:xfrm>
             </p:spPr>
             <p:txBody>
@@ -43236,34 +43706,39 @@
               </a:bodyPr>
               <a:lstStyle/>
               <a:p>
+                <a:pPr>
+                  <a:lnSpc>
+                    <a:spcPct val="200000"/>
+                  </a:lnSpc>
+                </a:pPr>
                 <a:r>
-                  <a:rPr lang="es-AR" b="0" dirty="0" smtClean="0"/>
+                  <a:rPr lang="es-AR" sz="2600" b="0" dirty="0" smtClean="0"/>
                   <a:t>Performance </a:t>
                 </a:r>
                 <a14:m>
                   <m:oMath xmlns:m="http://schemas.openxmlformats.org/officeDocument/2006/math">
                     <m:r>
-                      <a:rPr lang="es-AR" b="0" i="1" smtClean="0">
+                      <a:rPr lang="es-AR" sz="2600" b="0" i="1" smtClean="0">
                         <a:latin typeface="Cambria Math" panose="02040503050406030204" pitchFamily="18" charset="0"/>
                         <a:sym typeface="Symbol" panose="05050102010706020507" pitchFamily="18" charset="2"/>
                       </a:rPr>
                       <m:t></m:t>
                     </m:r>
                     <m:r>
-                      <a:rPr lang="es-AR" b="0" i="0" smtClean="0">
+                      <a:rPr lang="es-AR" sz="2600" b="0" i="0" smtClean="0">
                         <a:latin typeface="Cambria Math" panose="02040503050406030204" pitchFamily="18" charset="0"/>
                         <a:sym typeface="Symbol" panose="05050102010706020507" pitchFamily="18" charset="2"/>
                       </a:rPr>
                       <m:t> </m:t>
                     </m:r>
                     <m:r>
-                      <a:rPr lang="es-AR" b="0" i="0" smtClean="0">
+                      <a:rPr lang="es-AR" sz="2600" b="0" i="0" smtClean="0">
                         <a:latin typeface="Cambria Math" panose="02040503050406030204" pitchFamily="18" charset="0"/>
                       </a:rPr>
                       <m:t>0</m:t>
                     </m:r>
                     <m:r>
-                      <a:rPr lang="es-AR" b="0" i="1" smtClean="0">
+                      <a:rPr lang="es-AR" sz="2600" b="0" i="1" smtClean="0">
                         <a:latin typeface="Cambria Math" panose="02040503050406030204" pitchFamily="18" charset="0"/>
                       </a:rPr>
                       <m:t>,7±0,1</m:t>
@@ -43271,22 +43746,27 @@
                   </m:oMath>
                 </a14:m>
                 <a:r>
-                  <a:rPr lang="es-AR" dirty="0" smtClean="0"/>
+                  <a:rPr lang="es-AR" sz="2600" dirty="0" smtClean="0"/>
                   <a:t> (3 mejores métodos)</a:t>
                 </a:r>
-                <a:endParaRPr lang="es-AR" dirty="0" smtClean="0"/>
+                <a:endParaRPr lang="es-AR" sz="2600" dirty="0" smtClean="0"/>
               </a:p>
               <a:p>
+                <a:pPr>
+                  <a:lnSpc>
+                    <a:spcPct val="200000"/>
+                  </a:lnSpc>
+                </a:pPr>
                 <a:r>
-                  <a:rPr lang="es-AR" dirty="0"/>
+                  <a:rPr lang="es-AR" sz="2600" dirty="0"/>
                   <a:t>S</a:t>
                 </a:r>
                 <a:r>
-                  <a:rPr lang="es-AR" dirty="0" smtClean="0"/>
+                  <a:rPr lang="es-AR" sz="2600" dirty="0" smtClean="0"/>
                   <a:t>ignificancia aceptable </a:t>
                 </a:r>
                 <a:r>
-                  <a:rPr lang="es-AR" dirty="0" smtClean="0"/>
+                  <a:rPr lang="es-AR" sz="2600" dirty="0" smtClean="0"/>
                   <a:t>(</a:t>
                 </a:r>
                 <a14:m>
@@ -43295,19 +43775,19 @@
                       <m:rPr>
                         <m:sty m:val="p"/>
                       </m:rPr>
-                      <a:rPr lang="es-AR" b="0" i="0" smtClean="0">
+                      <a:rPr lang="es-AR" sz="2600" b="0" i="0" smtClean="0">
                         <a:latin typeface="Cambria Math" panose="02040503050406030204" pitchFamily="18" charset="0"/>
                       </a:rPr>
                       <m:t>p</m:t>
                     </m:r>
                     <m:r>
-                      <a:rPr lang="es-AR" b="0" i="0" smtClean="0">
+                      <a:rPr lang="es-AR" sz="2600" b="0" i="0" smtClean="0">
                         <a:latin typeface="Cambria Math" panose="02040503050406030204" pitchFamily="18" charset="0"/>
                       </a:rPr>
                       <m:t>&lt;0</m:t>
                     </m:r>
                     <m:r>
-                      <a:rPr lang="es-AR" b="0" i="1" smtClean="0">
+                      <a:rPr lang="es-AR" sz="2600" b="0" i="1" smtClean="0">
                         <a:latin typeface="Cambria Math" panose="02040503050406030204" pitchFamily="18" charset="0"/>
                       </a:rPr>
                       <m:t>,05</m:t>
@@ -43315,73 +43795,83 @@
                   </m:oMath>
                 </a14:m>
                 <a:r>
-                  <a:rPr lang="es-AR" dirty="0" smtClean="0"/>
+                  <a:rPr lang="es-AR" sz="2600" dirty="0" smtClean="0"/>
                   <a:t>) </a:t>
                 </a:r>
                 <a:r>
-                  <a:rPr lang="es-AR" dirty="0" smtClean="0"/>
+                  <a:rPr lang="es-AR" sz="2600" dirty="0" smtClean="0"/>
                   <a:t>=&gt; </a:t>
                 </a:r>
                 <a:r>
-                  <a:rPr lang="es-AR" dirty="0" smtClean="0"/>
+                  <a:rPr lang="es-AR" sz="2600" dirty="0" smtClean="0"/>
                   <a:t>performance </a:t>
                 </a:r>
                 <a:r>
-                  <a:rPr lang="es-AR" dirty="0" smtClean="0"/>
+                  <a:rPr lang="es-AR" sz="2600" dirty="0" smtClean="0"/>
                   <a:t>no por </a:t>
                 </a:r>
                 <a:r>
-                  <a:rPr lang="es-AR" dirty="0"/>
+                  <a:rPr lang="es-AR" sz="2600" dirty="0"/>
                   <a:t>azar (3 mejores métodos</a:t>
                 </a:r>
                 <a:r>
-                  <a:rPr lang="es-AR" dirty="0" smtClean="0"/>
+                  <a:rPr lang="es-AR" sz="2600" dirty="0" smtClean="0"/>
                   <a:t>)</a:t>
                 </a:r>
-                <a:endParaRPr lang="es-AR" dirty="0" smtClean="0"/>
+                <a:endParaRPr lang="es-AR" sz="2600" dirty="0" smtClean="0"/>
               </a:p>
               <a:p>
+                <a:pPr>
+                  <a:lnSpc>
+                    <a:spcPct val="200000"/>
+                  </a:lnSpc>
+                </a:pPr>
                 <a:r>
-                  <a:rPr lang="es-AR" dirty="0" smtClean="0"/>
+                  <a:rPr lang="es-AR" sz="2600" dirty="0" smtClean="0"/>
                   <a:t>“Adivinando” comportamiento</a:t>
                 </a:r>
                 <a:r>
-                  <a:rPr lang="es-AR" dirty="0" smtClean="0"/>
+                  <a:rPr lang="es-AR" sz="2600" dirty="0" smtClean="0"/>
                   <a:t> </a:t>
                 </a:r>
                 <a:r>
-                  <a:rPr lang="es-AR" dirty="0" smtClean="0"/>
+                  <a:rPr lang="es-AR" sz="2600" dirty="0" smtClean="0"/>
                   <a:t>animal con </a:t>
                 </a:r>
                 <a:r>
-                  <a:rPr lang="es-AR" dirty="0" smtClean="0"/>
+                  <a:rPr lang="es-AR" sz="2600" dirty="0" smtClean="0"/>
                   <a:t>70</a:t>
                 </a:r>
                 <a:r>
-                  <a:rPr lang="es-AR" dirty="0" smtClean="0"/>
+                  <a:rPr lang="es-AR" sz="2600" dirty="0" smtClean="0"/>
                   <a:t>% de </a:t>
                 </a:r>
                 <a:r>
-                  <a:rPr lang="es-AR" dirty="0" smtClean="0"/>
+                  <a:rPr lang="es-AR" sz="2600" dirty="0" smtClean="0"/>
                   <a:t>probabilidad</a:t>
                 </a:r>
-                <a:endParaRPr lang="es-AR" dirty="0" smtClean="0"/>
+                <a:endParaRPr lang="es-AR" sz="2600" dirty="0" smtClean="0"/>
               </a:p>
               <a:p>
+                <a:pPr>
+                  <a:lnSpc>
+                    <a:spcPct val="200000"/>
+                  </a:lnSpc>
+                </a:pPr>
                 <a:r>
-                  <a:rPr lang="es-AR" dirty="0" smtClean="0"/>
+                  <a:rPr lang="es-AR" sz="2600" dirty="0" smtClean="0"/>
                   <a:t>Para los primeros </a:t>
                 </a:r>
                 <a14:m>
                   <m:oMath xmlns:m="http://schemas.openxmlformats.org/officeDocument/2006/math">
                     <m:r>
-                      <a:rPr lang="es-AR" b="0" i="0" smtClean="0">
+                      <a:rPr lang="es-AR" sz="2600" b="0" i="0" smtClean="0">
                         <a:latin typeface="Cambria Math" panose="02040503050406030204" pitchFamily="18" charset="0"/>
                       </a:rPr>
                       <m:t>30</m:t>
                     </m:r>
                     <m:r>
-                      <a:rPr lang="es-AR">
+                      <a:rPr lang="es-AR" sz="2600">
                         <a:latin typeface="Cambria Math" panose="02040503050406030204" pitchFamily="18" charset="0"/>
                       </a:rPr>
                       <m:t>0</m:t>
@@ -43390,7 +43880,7 @@
                       <m:rPr>
                         <m:sty m:val="p"/>
                       </m:rPr>
-                      <a:rPr lang="es-AR" b="0" i="0" smtClean="0">
+                      <a:rPr lang="es-AR" sz="2600" b="0" i="0" smtClean="0">
                         <a:latin typeface="Cambria Math" panose="02040503050406030204" pitchFamily="18" charset="0"/>
                       </a:rPr>
                       <m:t>ms</m:t>
@@ -43398,17 +43888,14 @@
                   </m:oMath>
                 </a14:m>
                 <a:r>
-                  <a:rPr lang="es-AR" dirty="0" smtClean="0"/>
+                  <a:rPr lang="es-AR" sz="2600" dirty="0" smtClean="0"/>
                   <a:t> da igual utilizar BN, RF y </a:t>
                 </a:r>
                 <a:r>
-                  <a:rPr lang="es-AR" dirty="0" smtClean="0"/>
+                  <a:rPr lang="es-AR" sz="2600" dirty="0" smtClean="0"/>
                   <a:t>SMV</a:t>
                 </a:r>
-                <a:endParaRPr lang="es-AR" dirty="0" smtClean="0"/>
-              </a:p>
-              <a:p>
-                <a:endParaRPr lang="es-AR" dirty="0"/>
+                <a:endParaRPr lang="es-AR" sz="2600" dirty="0" smtClean="0"/>
               </a:p>
             </p:txBody>
           </p:sp>
@@ -43427,12 +43914,12 @@
             <p:spPr>
               <a:xfrm>
                 <a:off x="1484308" y="972457"/>
-                <a:ext cx="10018713" cy="5036457"/>
+                <a:ext cx="10018713" cy="5478039"/>
               </a:xfrm>
               <a:blipFill rotWithShape="0">
                 <a:blip r:embed="rId3"/>
                 <a:stretch>
-                  <a:fillRect l="-1521"/>
+                  <a:fillRect l="-1825"/>
                 </a:stretch>
               </a:blipFill>
             </p:spPr>
@@ -43528,17 +44015,20 @@
         </p:nvSpPr>
         <p:spPr>
           <a:xfrm>
-            <a:off x="1484309" y="2110694"/>
-            <a:ext cx="10018713" cy="3124201"/>
+            <a:off x="1484309" y="1500809"/>
+            <a:ext cx="10018713" cy="4969565"/>
           </a:xfrm>
         </p:spPr>
         <p:txBody>
           <a:bodyPr>
-            <a:normAutofit lnSpcReduction="10000"/>
+            <a:normAutofit/>
           </a:bodyPr>
           <a:lstStyle/>
           <a:p>
             <a:pPr>
+              <a:lnSpc>
+                <a:spcPct val="150000"/>
+              </a:lnSpc>
               <a:buFont typeface="Wingdings" panose="05000000000000000000" pitchFamily="2" charset="2"/>
               <a:buChar char="þ"/>
             </a:pPr>
@@ -43561,6 +44051,9 @@
           </a:p>
           <a:p>
             <a:pPr>
+              <a:lnSpc>
+                <a:spcPct val="150000"/>
+              </a:lnSpc>
               <a:buFont typeface="Wingdings" panose="05000000000000000000" pitchFamily="2" charset="2"/>
               <a:buChar char="þ"/>
             </a:pPr>
@@ -43579,6 +44072,9 @@
           </a:p>
           <a:p>
             <a:pPr>
+              <a:lnSpc>
+                <a:spcPct val="150000"/>
+              </a:lnSpc>
               <a:buFont typeface="Wingdings" panose="05000000000000000000" pitchFamily="2" charset="2"/>
               <a:buChar char="þ"/>
             </a:pPr>
@@ -43589,6 +44085,9 @@
           </a:p>
           <a:p>
             <a:pPr>
+              <a:lnSpc>
+                <a:spcPct val="150000"/>
+              </a:lnSpc>
               <a:buFont typeface="Wingdings" panose="05000000000000000000" pitchFamily="2" charset="2"/>
               <a:buChar char="þ"/>
             </a:pPr>
@@ -43599,6 +44098,9 @@
           </a:p>
           <a:p>
             <a:pPr>
+              <a:lnSpc>
+                <a:spcPct val="150000"/>
+              </a:lnSpc>
               <a:buFont typeface="Wingdings" panose="05000000000000000000" pitchFamily="2" charset="2"/>
               <a:buChar char="þ"/>
             </a:pPr>
@@ -43689,7 +44191,7 @@
         </p:nvSpPr>
         <p:spPr>
           <a:xfrm>
-            <a:off x="1484308" y="972457"/>
+            <a:off x="1484309" y="1146628"/>
             <a:ext cx="10018713" cy="5036457"/>
           </a:xfrm>
         </p:spPr>
@@ -44080,8 +44582,8 @@
           </a:p>
         </p:txBody>
       </p:sp>
-      <mc:AlternateContent xmlns:mc="http://schemas.openxmlformats.org/markup-compatibility/2006" xmlns:a14="http://schemas.microsoft.com/office/drawing/2010/main">
-        <mc:Choice Requires="a14">
+      <mc:AlternateContent xmlns:mc="http://schemas.openxmlformats.org/markup-compatibility/2006">
+        <mc:Choice xmlns:a14="http://schemas.microsoft.com/office/drawing/2010/main" Requires="a14">
           <p:sp>
             <p:nvSpPr>
               <p:cNvPr id="5" name="Marcador de contenido 2"/>
@@ -44104,12 +44606,22 @@
               </a:bodyPr>
               <a:lstStyle/>
               <a:p>
+                <a:pPr>
+                  <a:lnSpc>
+                    <a:spcPct val="150000"/>
+                  </a:lnSpc>
+                </a:pPr>
                 <a:r>
                   <a:rPr lang="es-AR" dirty="0" smtClean="0"/>
                   <a:t>Hay un limite superior de número de neuronas, a partir del cual ya no se obtiene mas información (ronda la centena).</a:t>
                 </a:r>
               </a:p>
               <a:p>
+                <a:pPr>
+                  <a:lnSpc>
+                    <a:spcPct val="150000"/>
+                  </a:lnSpc>
+                </a:pPr>
                 <a:r>
                   <a:rPr lang="es-AR" dirty="0" smtClean="0"/>
                   <a:t>Procesando </a:t>
@@ -44144,6 +44656,11 @@
                 </a:r>
               </a:p>
               <a:p>
+                <a:pPr>
+                  <a:lnSpc>
+                    <a:spcPct val="150000"/>
+                  </a:lnSpc>
+                </a:pPr>
                 <a:r>
                   <a:rPr lang="es-AR" dirty="0" smtClean="0"/>
                   <a:t>Se determinó que </a:t>
@@ -44173,7 +44690,7 @@
             </p:txBody>
           </p:sp>
         </mc:Choice>
-        <mc:Fallback xmlns="">
+        <mc:Fallback>
           <p:sp>
             <p:nvSpPr>
               <p:cNvPr id="5" name="Marcador de contenido 2"/>
@@ -44392,85 +44909,173 @@
         </p:nvSpPr>
         <p:spPr>
           <a:xfrm>
-            <a:off x="1658481" y="1088572"/>
-            <a:ext cx="10018713" cy="4891314"/>
+            <a:off x="1658481" y="914400"/>
+            <a:ext cx="10447380" cy="5864086"/>
           </a:xfrm>
         </p:spPr>
         <p:txBody>
           <a:bodyPr>
-            <a:normAutofit/>
+            <a:noAutofit/>
           </a:bodyPr>
           <a:lstStyle/>
           <a:p>
-            <a:r>
-              <a:rPr lang="es-AR" dirty="0" smtClean="0"/>
-              <a:t>Muchos datos, muchas opciones.</a:t>
-            </a:r>
-          </a:p>
-          <a:p>
-            <a:r>
-              <a:rPr lang="es-AR" dirty="0" smtClean="0"/>
+            <a:pPr>
+              <a:lnSpc>
+                <a:spcPct val="150000"/>
+              </a:lnSpc>
+            </a:pPr>
+            <a:r>
+              <a:rPr lang="es-AR" sz="2000" dirty="0" smtClean="0"/>
+              <a:t>Muchos datos, muchas opciones</a:t>
+            </a:r>
+            <a:r>
+              <a:rPr lang="es-AR" sz="2000" dirty="0" smtClean="0"/>
+              <a:t>.</a:t>
+            </a:r>
+            <a:endParaRPr lang="es-AR" sz="2000" dirty="0" smtClean="0"/>
+          </a:p>
+          <a:p>
+            <a:pPr>
+              <a:lnSpc>
+                <a:spcPct val="150000"/>
+              </a:lnSpc>
+            </a:pPr>
+            <a:r>
+              <a:rPr lang="es-AR" sz="2000" dirty="0" smtClean="0"/>
               <a:t>¿Hay </a:t>
             </a:r>
             <a:r>
-              <a:rPr lang="es-AR" dirty="0" smtClean="0"/>
+              <a:rPr lang="es-AR" sz="2000" dirty="0" smtClean="0"/>
               <a:t>información</a:t>
             </a:r>
             <a:r>
-              <a:rPr lang="es-AR" dirty="0" smtClean="0"/>
+              <a:rPr lang="es-AR" sz="2000" dirty="0" smtClean="0"/>
               <a:t>?</a:t>
             </a:r>
           </a:p>
           <a:p>
-            <a:r>
-              <a:rPr lang="es-AR" dirty="0" smtClean="0"/>
+            <a:pPr>
+              <a:lnSpc>
+                <a:spcPct val="150000"/>
+              </a:lnSpc>
+            </a:pPr>
+            <a:r>
+              <a:rPr lang="es-AR" sz="2000" dirty="0" smtClean="0"/>
               <a:t>¿</a:t>
             </a:r>
             <a:r>
-              <a:rPr lang="es-AR" dirty="0" smtClean="0"/>
+              <a:rPr lang="es-AR" sz="2000" dirty="0" smtClean="0"/>
               <a:t>Análisis a simple vista? </a:t>
             </a:r>
             <a:r>
-              <a:rPr lang="es-AR" dirty="0"/>
+              <a:rPr lang="es-AR" sz="2000" dirty="0"/>
               <a:t>¿</a:t>
             </a:r>
             <a:r>
-              <a:rPr lang="es-AR" dirty="0" smtClean="0"/>
-              <a:t>Correlaciones? ¿Minería?</a:t>
-            </a:r>
-          </a:p>
-          <a:p>
-            <a:r>
-              <a:rPr lang="es-AR" dirty="0" smtClean="0"/>
-              <a:t>¿Completitud? ¿Integridad?</a:t>
-            </a:r>
-          </a:p>
-          <a:p>
-            <a:r>
-              <a:rPr lang="es-AR" dirty="0"/>
+              <a:rPr lang="es-AR" sz="2000" dirty="0" smtClean="0"/>
+              <a:t>Correlaciones? ¿Minería</a:t>
+            </a:r>
+            <a:r>
+              <a:rPr lang="es-AR" sz="2000" dirty="0" smtClean="0"/>
+              <a:t>?</a:t>
+            </a:r>
+            <a:endParaRPr lang="es-AR" sz="2000" dirty="0" smtClean="0"/>
+          </a:p>
+          <a:p>
+            <a:pPr>
+              <a:lnSpc>
+                <a:spcPct val="150000"/>
+              </a:lnSpc>
+            </a:pPr>
+            <a:r>
+              <a:rPr lang="es-AR" sz="2000" dirty="0" smtClean="0"/>
+              <a:t>¿Completitud? ¿Integridad</a:t>
+            </a:r>
+            <a:r>
+              <a:rPr lang="es-AR" sz="2000" dirty="0" smtClean="0"/>
+              <a:t>?</a:t>
+            </a:r>
+            <a:endParaRPr lang="es-AR" sz="2000" dirty="0" smtClean="0"/>
+          </a:p>
+          <a:p>
+            <a:pPr>
+              <a:lnSpc>
+                <a:spcPct val="150000"/>
+              </a:lnSpc>
+            </a:pPr>
+            <a:r>
+              <a:rPr lang="es-AR" sz="2000" dirty="0"/>
               <a:t>¡</a:t>
             </a:r>
             <a:r>
-              <a:rPr lang="es-AR" dirty="0" smtClean="0"/>
-              <a:t>Entender el dominio!</a:t>
-            </a:r>
-          </a:p>
-          <a:p>
-            <a:r>
-              <a:rPr lang="es-AR" dirty="0" smtClean="0"/>
+              <a:rPr lang="es-AR" sz="2000" dirty="0" smtClean="0"/>
+              <a:t>Entender el dominio</a:t>
+            </a:r>
+            <a:r>
+              <a:rPr lang="es-AR" sz="2000" dirty="0" smtClean="0"/>
+              <a:t>!</a:t>
+            </a:r>
+            <a:endParaRPr lang="es-AR" sz="2000" dirty="0" smtClean="0"/>
+          </a:p>
+          <a:p>
+            <a:pPr>
+              <a:lnSpc>
+                <a:spcPct val="150000"/>
+              </a:lnSpc>
+            </a:pPr>
+            <a:r>
+              <a:rPr lang="es-AR" sz="2000" dirty="0" smtClean="0"/>
               <a:t>Features: ¿Cuáles? ¿De donde se obtienen? </a:t>
             </a:r>
           </a:p>
           <a:p>
-            <a:r>
-              <a:rPr lang="es-AR" dirty="0" smtClean="0"/>
-              <a:t>Que se tiene: (a) Potenciales de acción de 2 áreas; (b) Respuestas de las ratas</a:t>
-            </a:r>
-            <a:r>
-              <a:rPr lang="es-AR" dirty="0" smtClean="0"/>
+            <a:pPr>
+              <a:lnSpc>
+                <a:spcPct val="150000"/>
+              </a:lnSpc>
+            </a:pPr>
+            <a:r>
+              <a:rPr lang="es-AR" sz="2000" dirty="0" smtClean="0"/>
+              <a:t>Que se tiene: </a:t>
+            </a:r>
+            <a:endParaRPr lang="es-AR" sz="2000" dirty="0" smtClean="0"/>
+          </a:p>
+          <a:p>
+            <a:pPr marL="914400" lvl="1" indent="-457200">
+              <a:buSzPct val="110000"/>
+              <a:buAutoNum type="alphaLcPeriod"/>
+            </a:pPr>
+            <a:r>
+              <a:rPr lang="es-AR" sz="1800" dirty="0" smtClean="0"/>
+              <a:t>Potenciales </a:t>
+            </a:r>
+            <a:r>
+              <a:rPr lang="es-AR" sz="1800" dirty="0" smtClean="0"/>
+              <a:t>de acción de 2 </a:t>
+            </a:r>
+            <a:r>
+              <a:rPr lang="es-AR" sz="1800" dirty="0" smtClean="0"/>
+              <a:t>áreas</a:t>
+            </a:r>
+          </a:p>
+          <a:p>
+            <a:pPr marL="914400" lvl="1" indent="-457200">
+              <a:buSzPct val="110000"/>
+              <a:buAutoNum type="alphaLcPeriod"/>
+            </a:pPr>
+            <a:r>
+              <a:rPr lang="es-AR" sz="1800" dirty="0" smtClean="0"/>
+              <a:t>Respuestas </a:t>
+            </a:r>
+            <a:r>
+              <a:rPr lang="es-AR" sz="1800" dirty="0" smtClean="0"/>
+              <a:t>de las ratas</a:t>
+            </a:r>
+            <a:r>
+              <a:rPr lang="es-AR" sz="1800" dirty="0" smtClean="0"/>
               <a:t>.</a:t>
             </a:r>
-            <a:endParaRPr lang="es-AR" dirty="0" smtClean="0"/>
+            <a:endParaRPr lang="es-AR" sz="1800" dirty="0" smtClean="0"/>
           </a:p>
         </p:txBody>
       </p:sp>
@@ -44551,7 +45156,7 @@
         </p:nvSpPr>
         <p:spPr>
           <a:xfrm>
-            <a:off x="1961047" y="1101123"/>
+            <a:off x="1633060" y="1021611"/>
             <a:ext cx="10018713" cy="5902037"/>
           </a:xfrm>
         </p:spPr>
@@ -44650,7 +45255,7 @@
         </p:nvGrpSpPr>
         <p:grpSpPr>
           <a:xfrm>
-            <a:off x="2294848" y="2038250"/>
+            <a:off x="1966861" y="1958738"/>
             <a:ext cx="8409395" cy="3248849"/>
             <a:chOff x="2294848" y="2038250"/>
             <a:chExt cx="8409395" cy="3248849"/>
